--- a/New Problem/Covert_FD_DEPmax v1 20240329.pptx
+++ b/New Problem/Covert_FD_DEPmax v1 20240329.pptx
@@ -1094,7 +1094,7 @@
           <a:p>
             <a:fld id="{0D7A80AD-75C0-4139-8349-D7A56AAE3422}" type="datetimeFigureOut">
               <a:rPr lang="ko-KR" altLang="en-US" smtClean="0"/>
-              <a:t>2024-04-09</a:t>
+              <a:t>2024-04-15</a:t>
             </a:fld>
             <a:endParaRPr lang="ko-KR" altLang="en-US"/>
           </a:p>
@@ -2438,7 +2438,7 @@
           <a:p>
             <a:fld id="{3DF3EF48-9CCD-4EE9-BB40-4739D0DAE972}" type="datetime1">
               <a:rPr lang="ko-KR" altLang="en-US" smtClean="0"/>
-              <a:t>2024-04-09</a:t>
+              <a:t>2024-04-15</a:t>
             </a:fld>
             <a:endParaRPr lang="ko-KR" altLang="en-US" dirty="0"/>
           </a:p>
@@ -2709,7 +2709,7 @@
           <a:p>
             <a:fld id="{9E45620A-9A66-47B0-9218-43F171A33458}" type="datetime1">
               <a:rPr lang="ko-KR" altLang="en-US" smtClean="0"/>
-              <a:t>2024-04-09</a:t>
+              <a:t>2024-04-15</a:t>
             </a:fld>
             <a:endParaRPr lang="ko-KR" altLang="en-US"/>
           </a:p>
@@ -2985,7 +2985,7 @@
           <a:p>
             <a:fld id="{C1E586D9-B5F3-454A-8918-B4C99ED5AEDE}" type="datetime1">
               <a:rPr lang="ko-KR" altLang="en-US" smtClean="0"/>
-              <a:t>2024-04-09</a:t>
+              <a:t>2024-04-15</a:t>
             </a:fld>
             <a:endParaRPr lang="ko-KR" altLang="en-US"/>
           </a:p>
@@ -3209,7 +3209,7 @@
           <a:p>
             <a:fld id="{B0E4ADD3-F434-478C-876A-1D3933DF4707}" type="datetime1">
               <a:rPr lang="ko-KR" altLang="en-US" smtClean="0"/>
-              <a:t>2024-04-09</a:t>
+              <a:t>2024-04-15</a:t>
             </a:fld>
             <a:endParaRPr lang="ko-KR" altLang="en-US"/>
           </a:p>
@@ -3563,7 +3563,7 @@
           <a:p>
             <a:fld id="{38DF26BB-6A75-410D-A6B0-8FD34915C10D}" type="datetime1">
               <a:rPr lang="ko-KR" altLang="en-US" smtClean="0"/>
-              <a:t>2024-04-09</a:t>
+              <a:t>2024-04-15</a:t>
             </a:fld>
             <a:endParaRPr lang="ko-KR" altLang="en-US"/>
           </a:p>
@@ -3943,7 +3943,7 @@
           <a:p>
             <a:fld id="{4584CDF8-1723-475A-8393-34F016E9B184}" type="datetime1">
               <a:rPr lang="ko-KR" altLang="en-US" smtClean="0"/>
-              <a:t>2024-04-09</a:t>
+              <a:t>2024-04-15</a:t>
             </a:fld>
             <a:endParaRPr lang="ko-KR" altLang="en-US"/>
           </a:p>
@@ -4423,7 +4423,7 @@
           <a:p>
             <a:fld id="{FB8CCD4A-1F8C-4D3E-BDD6-84C4090AF0D6}" type="datetime1">
               <a:rPr lang="ko-KR" altLang="en-US" smtClean="0"/>
-              <a:t>2024-04-09</a:t>
+              <a:t>2024-04-15</a:t>
             </a:fld>
             <a:endParaRPr lang="ko-KR" altLang="en-US"/>
           </a:p>
@@ -4564,7 +4564,7 @@
           <a:p>
             <a:fld id="{CE073545-46C1-49FB-A041-5415163523D0}" type="datetime1">
               <a:rPr lang="ko-KR" altLang="en-US" smtClean="0"/>
-              <a:t>2024-04-09</a:t>
+              <a:t>2024-04-15</a:t>
             </a:fld>
             <a:endParaRPr lang="ko-KR" altLang="en-US"/>
           </a:p>
@@ -4745,7 +4745,7 @@
           <a:p>
             <a:fld id="{7EDBC6A4-6274-4803-89FF-1DA18D4FE7AA}" type="datetime1">
               <a:rPr lang="ko-KR" altLang="en-US" smtClean="0"/>
-              <a:t>2024-04-09</a:t>
+              <a:t>2024-04-15</a:t>
             </a:fld>
             <a:endParaRPr lang="ko-KR" altLang="en-US"/>
           </a:p>
@@ -5056,7 +5056,7 @@
           <a:p>
             <a:fld id="{B84A353D-6971-4305-AB04-6AEE4DD0E048}" type="datetime1">
               <a:rPr lang="ko-KR" altLang="en-US" smtClean="0"/>
-              <a:t>2024-04-09</a:t>
+              <a:t>2024-04-15</a:t>
             </a:fld>
             <a:endParaRPr lang="ko-KR" altLang="en-US"/>
           </a:p>
@@ -5344,7 +5344,7 @@
           <a:p>
             <a:fld id="{4AC75523-461B-44DB-AD97-7C06B206BE7B}" type="datetime1">
               <a:rPr lang="ko-KR" altLang="en-US" smtClean="0"/>
-              <a:t>2024-04-09</a:t>
+              <a:t>2024-04-15</a:t>
             </a:fld>
             <a:endParaRPr lang="ko-KR" altLang="en-US"/>
           </a:p>
@@ -5589,7 +5589,7 @@
           <a:p>
             <a:fld id="{9D1D2423-15C0-4D7C-B759-40ACCC100800}" type="datetime1">
               <a:rPr lang="ko-KR" altLang="en-US" smtClean="0"/>
-              <a:t>2024-04-09</a:t>
+              <a:t>2024-04-15</a:t>
             </a:fld>
             <a:endParaRPr lang="ko-KR" altLang="en-US" dirty="0"/>
           </a:p>
@@ -17395,7 +17395,13 @@
                                           <a:rPr lang="en-US" altLang="ko-KR" b="0" i="1" smtClean="0">
                                             <a:latin typeface="Cambria Math" panose="02040503050406030204" pitchFamily="18" charset="0"/>
                                           </a:rPr>
-                                          <m:t>h𝐷𝑊</m:t>
+                                          <m:t>h</m:t>
+                                        </m:r>
+                                        <m:r>
+                                          <a:rPr lang="en-US" altLang="ko-KR" b="0" i="1" baseline="-25000" smtClean="0">
+                                            <a:latin typeface="Cambria Math" panose="02040503050406030204" pitchFamily="18" charset="0"/>
+                                          </a:rPr>
+                                          <m:t>𝐷𝑊</m:t>
                                         </m:r>
                                       </m:e>
                                     </m:d>
@@ -17413,7 +17419,13 @@
                                   <a:rPr lang="en-US" altLang="ko-KR" b="0" i="1" smtClean="0">
                                     <a:latin typeface="Cambria Math" panose="02040503050406030204" pitchFamily="18" charset="0"/>
                                   </a:rPr>
-                                  <m:t>𝑃𝐷</m:t>
+                                  <m:t>𝑃</m:t>
+                                </m:r>
+                                <m:r>
+                                  <a:rPr lang="en-US" altLang="ko-KR" b="0" i="1" baseline="-25000" smtClean="0">
+                                    <a:latin typeface="Cambria Math" panose="02040503050406030204" pitchFamily="18" charset="0"/>
+                                  </a:rPr>
+                                  <m:t>𝐷</m:t>
                                 </m:r>
                               </m:den>
                             </m:f>
@@ -18348,7 +18360,13 @@
                                   <a:rPr lang="en-US" altLang="ko-KR" b="0" i="1" smtClean="0">
                                     <a:latin typeface="Cambria Math" panose="02040503050406030204" pitchFamily="18" charset="0"/>
                                   </a:rPr>
-                                  <m:t>𝑃𝐷</m:t>
+                                  <m:t>𝑃</m:t>
+                                </m:r>
+                                <m:r>
+                                  <a:rPr lang="en-US" altLang="ko-KR" b="0" i="1" baseline="-25000" smtClean="0">
+                                    <a:latin typeface="Cambria Math" panose="02040503050406030204" pitchFamily="18" charset="0"/>
+                                  </a:rPr>
+                                  <m:t>𝐷</m:t>
                                 </m:r>
                               </m:den>
                             </m:f>
@@ -18393,13 +18411,13 @@
                       </m:num>
                       <m:den>
                         <m:r>
-                          <a:rPr lang="en-US" altLang="ko-KR" i="1">
+                          <a:rPr lang="en-US" altLang="ko-KR" i="1" smtClean="0">
                             <a:latin typeface="Cambria Math" panose="02040503050406030204" pitchFamily="18" charset="0"/>
                           </a:rPr>
                           <m:t>𝜕</m:t>
                         </m:r>
                         <m:r>
-                          <a:rPr lang="en-US" altLang="ko-KR" i="1">
+                          <a:rPr lang="en-US" altLang="ko-KR" i="1" smtClean="0">
                             <a:latin typeface="Cambria Math" panose="02040503050406030204" pitchFamily="18" charset="0"/>
                           </a:rPr>
                           <m:t>𝑃𝐷</m:t>
@@ -26161,8 +26179,8 @@
           </a:p>
         </p:txBody>
       </p:sp>
-      <mc:AlternateContent xmlns:mc="http://schemas.openxmlformats.org/markup-compatibility/2006" xmlns:a14="http://schemas.microsoft.com/office/drawing/2010/main">
-        <mc:Choice Requires="a14">
+      <mc:AlternateContent xmlns:mc="http://schemas.openxmlformats.org/markup-compatibility/2006">
+        <mc:Choice xmlns:a14="http://schemas.microsoft.com/office/drawing/2010/main" Requires="a14">
           <p:sp>
             <p:nvSpPr>
               <p:cNvPr id="3" name="Content Placeholder 2">
@@ -27786,7 +27804,13 @@
                                   <a:rPr lang="en-US" i="1" baseline="-25000">
                                     <a:latin typeface="Cambria Math" panose="02040503050406030204" pitchFamily="18" charset="0"/>
                                   </a:rPr>
-                                  <m:t>𝐷𝑅</m:t>
+                                  <m:t>𝐷</m:t>
+                                </m:r>
+                                <m:r>
+                                  <a:rPr lang="en-US" b="0" i="1" baseline="-25000" smtClean="0">
+                                    <a:latin typeface="Cambria Math" panose="02040503050406030204" pitchFamily="18" charset="0"/>
+                                  </a:rPr>
+                                  <m:t>𝐷</m:t>
                                 </m:r>
                               </m:e>
                             </m:d>
@@ -28199,7 +28223,7 @@
             </p:txBody>
           </p:sp>
         </mc:Choice>
-        <mc:Fallback xmlns="">
+        <mc:Fallback>
           <p:sp>
             <p:nvSpPr>
               <p:cNvPr id="3" name="Content Placeholder 2">
@@ -29841,12 +29865,6 @@
                       </a:rPr>
                       <m:t>𝑃𝐷</m:t>
                     </m:r>
-                    <m:r>
-                      <a:rPr lang="en-US" b="0" i="1" smtClean="0">
-                        <a:latin typeface="Cambria Math" panose="02040503050406030204" pitchFamily="18" charset="0"/>
-                      </a:rPr>
-                      <m:t>,</m:t>
-                    </m:r>
                   </m:oMath>
                 </a14:m>
                 <a:endParaRPr lang="en-US" dirty="0"/>
@@ -30199,7 +30217,13 @@
                                   <a:rPr lang="en-US" i="1" baseline="-25000">
                                     <a:latin typeface="Cambria Math" panose="02040503050406030204" pitchFamily="18" charset="0"/>
                                   </a:rPr>
-                                  <m:t>𝐷𝑅</m:t>
+                                  <m:t>𝐷</m:t>
+                                </m:r>
+                                <m:r>
+                                  <a:rPr lang="en-US" b="0" i="1" baseline="-25000" smtClean="0">
+                                    <a:latin typeface="Cambria Math" panose="02040503050406030204" pitchFamily="18" charset="0"/>
+                                  </a:rPr>
+                                  <m:t>𝐷</m:t>
                                 </m:r>
                               </m:e>
                             </m:d>
@@ -30821,7 +30845,7 @@
                       <a:rPr lang="en-US" b="0" i="0" smtClean="0">
                         <a:latin typeface="Cambria Math" panose="02040503050406030204" pitchFamily="18" charset="0"/>
                       </a:rPr>
-                      <m:t>max</m:t>
+                      <m:t>min</m:t>
                     </m:r>
                     <m:r>
                       <a:rPr lang="en-US" b="0" i="1" smtClean="0">
@@ -31069,7 +31093,13 @@
                                   <a:rPr lang="en-US" i="1" baseline="-25000">
                                     <a:latin typeface="Cambria Math" panose="02040503050406030204" pitchFamily="18" charset="0"/>
                                   </a:rPr>
-                                  <m:t>𝐷𝑅</m:t>
+                                  <m:t>𝐷</m:t>
+                                </m:r>
+                                <m:r>
+                                  <a:rPr lang="en-US" b="0" i="1" baseline="-25000" smtClean="0">
+                                    <a:latin typeface="Cambria Math" panose="02040503050406030204" pitchFamily="18" charset="0"/>
+                                  </a:rPr>
+                                  <m:t>𝐷</m:t>
                                 </m:r>
                               </m:e>
                             </m:d>
@@ -31311,7 +31341,13 @@
                                   <a:rPr lang="en-US" i="1" baseline="-25000">
                                     <a:latin typeface="Cambria Math" panose="02040503050406030204" pitchFamily="18" charset="0"/>
                                   </a:rPr>
-                                  <m:t>𝐷𝑅</m:t>
+                                  <m:t>𝐷</m:t>
+                                </m:r>
+                                <m:r>
+                                  <a:rPr lang="en-US" b="0" i="1" baseline="-25000" smtClean="0">
+                                    <a:latin typeface="Cambria Math" panose="02040503050406030204" pitchFamily="18" charset="0"/>
+                                  </a:rPr>
+                                  <m:t>𝐷</m:t>
                                 </m:r>
                               </m:e>
                             </m:d>
@@ -31902,7 +31938,7 @@
             </p:nvSpPr>
             <p:spPr>
               <a:xfrm>
-                <a:off x="3753853" y="2213539"/>
+                <a:off x="3649580" y="2149371"/>
                 <a:ext cx="6096000" cy="2430922"/>
               </a:xfrm>
               <a:prstGeom prst="rect">
@@ -33143,7 +33179,7 @@
             </p:nvSpPr>
             <p:spPr>
               <a:xfrm>
-                <a:off x="3753853" y="2213539"/>
+                <a:off x="3649580" y="2149371"/>
                 <a:ext cx="6096000" cy="2430922"/>
               </a:xfrm>
               <a:prstGeom prst="rect">
@@ -33152,7 +33188,7 @@
               <a:blipFill>
                 <a:blip r:embed="rId2"/>
                 <a:stretch>
-                  <a:fillRect l="-900" t="-1504"/>
+                  <a:fillRect l="-900" t="-1759"/>
                 </a:stretch>
               </a:blipFill>
             </p:spPr>
@@ -44724,15 +44760,6 @@
 </file>
 
 <file path=customXml/item1.xml><?xml version="1.0" encoding="utf-8"?>
-<?mso-contentType ?>
-<FormTemplates xmlns="http://schemas.microsoft.com/sharepoint/v3/contenttype/forms">
-  <Display>DocumentLibraryForm</Display>
-  <Edit>DocumentLibraryForm</Edit>
-  <New>DocumentLibraryForm</New>
-</FormTemplates>
-</file>
-
-<file path=customXml/item2.xml><?xml version="1.0" encoding="utf-8"?>
 <ct:contentTypeSchema xmlns:ct="http://schemas.microsoft.com/office/2006/metadata/contentType" xmlns:ma="http://schemas.microsoft.com/office/2006/metadata/properties/metaAttributes" ct:_="" ma:_="" ma:contentTypeName="Document" ma:contentTypeID="0x010100CDD1B8258B04314AB752C94D0B468742" ma:contentTypeVersion="11" ma:contentTypeDescription="Create a new document." ma:contentTypeScope="" ma:versionID="74d2a3f1e9ad9535c8f51eacab041852">
   <xsd:schema xmlns:xsd="http://www.w3.org/2001/XMLSchema" xmlns:xs="http://www.w3.org/2001/XMLSchema" xmlns:p="http://schemas.microsoft.com/office/2006/metadata/properties" xmlns:ns2="c207a02d-b84a-49f0-864c-a3c055060aaf" xmlns:ns3="39fed8c9-7096-4e61-8f88-d2ef9f851ffe" targetNamespace="http://schemas.microsoft.com/office/2006/metadata/properties" ma:root="true" ma:fieldsID="bf2f5d96ee70ae2c03e7b814aee7acfe" ns2:_="" ns3:_="">
     <xsd:import namespace="c207a02d-b84a-49f0-864c-a3c055060aaf"/>
@@ -44927,7 +44954,7 @@
 </ct:contentTypeSchema>
 </file>
 
-<file path=customXml/item3.xml><?xml version="1.0" encoding="utf-8"?>
+<file path=customXml/item2.xml><?xml version="1.0" encoding="utf-8"?>
 <p:properties xmlns:p="http://schemas.microsoft.com/office/2006/metadata/properties" xmlns:xsi="http://www.w3.org/2001/XMLSchema-instance" xmlns:pc="http://schemas.microsoft.com/office/infopath/2007/PartnerControls">
   <documentManagement>
     <TaxCatchAll xmlns="39fed8c9-7096-4e61-8f88-d2ef9f851ffe" xsi:nil="true"/>
@@ -44938,15 +44965,16 @@
 </p:properties>
 </file>
 
-<file path=customXml/itemProps1.xml><?xml version="1.0" encoding="utf-8"?>
-<ds:datastoreItem xmlns:ds="http://schemas.openxmlformats.org/officeDocument/2006/customXml" ds:itemID="{237EC9C7-C9EA-4A19-8EDB-1AE6A51237B8}">
-  <ds:schemaRefs>
-    <ds:schemaRef ds:uri="http://schemas.microsoft.com/sharepoint/v3/contenttype/forms"/>
-  </ds:schemaRefs>
-</ds:datastoreItem>
+<file path=customXml/item3.xml><?xml version="1.0" encoding="utf-8"?>
+<?mso-contentType ?>
+<FormTemplates xmlns="http://schemas.microsoft.com/sharepoint/v3/contenttype/forms">
+  <Display>DocumentLibraryForm</Display>
+  <Edit>DocumentLibraryForm</Edit>
+  <New>DocumentLibraryForm</New>
+</FormTemplates>
 </file>
 
-<file path=customXml/itemProps2.xml><?xml version="1.0" encoding="utf-8"?>
+<file path=customXml/itemProps1.xml><?xml version="1.0" encoding="utf-8"?>
 <ds:datastoreItem xmlns:ds="http://schemas.openxmlformats.org/officeDocument/2006/customXml" ds:itemID="{B76A0CF7-BEB4-4092-AD55-172BB0CDBCDC}">
   <ds:schemaRefs>
     <ds:schemaRef ds:uri="http://schemas.microsoft.com/office/2006/metadata/contentType"/>
@@ -44965,7 +44993,7 @@
 </ds:datastoreItem>
 </file>
 
-<file path=customXml/itemProps3.xml><?xml version="1.0" encoding="utf-8"?>
+<file path=customXml/itemProps2.xml><?xml version="1.0" encoding="utf-8"?>
 <ds:datastoreItem xmlns:ds="http://schemas.openxmlformats.org/officeDocument/2006/customXml" ds:itemID="{48972538-1B81-4B2E-8960-3621C58FCC3F}">
   <ds:schemaRefs>
     <ds:schemaRef ds:uri="http://schemas.microsoft.com/office/2006/metadata/properties"/>
@@ -44974,4 +45002,12 @@
     <ds:schemaRef ds:uri="c207a02d-b84a-49f0-864c-a3c055060aaf"/>
   </ds:schemaRefs>
 </ds:datastoreItem>
+</file>
+
+<file path=customXml/itemProps3.xml><?xml version="1.0" encoding="utf-8"?>
+<ds:datastoreItem xmlns:ds="http://schemas.openxmlformats.org/officeDocument/2006/customXml" ds:itemID="{237EC9C7-C9EA-4A19-8EDB-1AE6A51237B8}">
+  <ds:schemaRefs>
+    <ds:schemaRef ds:uri="http://schemas.microsoft.com/sharepoint/v3/contenttype/forms"/>
+  </ds:schemaRefs>
+</ds:datastoreItem>
 </file>
--- a/New Problem/Covert_FD_DEPmax v1 20240329.pptx
+++ b/New Problem/Covert_FD_DEPmax v1 20240329.pptx
@@ -231,7 +231,18 @@
       </p14:sectionLst>
     </p:ext>
     <p:ext uri="{EFAFB233-063F-42B5-8137-9DF3F51BA10A}">
-      <p15:sldGuideLst xmlns:p15="http://schemas.microsoft.com/office/powerpoint/2012/main"/>
+      <p15:sldGuideLst xmlns:p15="http://schemas.microsoft.com/office/powerpoint/2012/main">
+        <p15:guide id="1" pos="3840" userDrawn="1">
+          <p15:clr>
+            <a:srgbClr val="A4A3A4"/>
+          </p15:clr>
+        </p15:guide>
+        <p15:guide id="2" orient="horz" pos="2160">
+          <p15:clr>
+            <a:srgbClr val="A4A3A4"/>
+          </p15:clr>
+        </p15:guide>
+      </p15:sldGuideLst>
     </p:ext>
     <p:ext uri="{2D200454-40CA-4A62-9FC3-DE9A4176ACB9}">
       <p15:notesGuideLst xmlns:p15="http://schemas.microsoft.com/office/powerpoint/2012/main"/>
@@ -1094,7 +1105,7 @@
           <a:p>
             <a:fld id="{0D7A80AD-75C0-4139-8349-D7A56AAE3422}" type="datetimeFigureOut">
               <a:rPr lang="ko-KR" altLang="en-US" smtClean="0"/>
-              <a:t>2024-04-15</a:t>
+              <a:t>2024-04-18</a:t>
             </a:fld>
             <a:endParaRPr lang="ko-KR" altLang="en-US"/>
           </a:p>
@@ -2438,7 +2449,7 @@
           <a:p>
             <a:fld id="{3DF3EF48-9CCD-4EE9-BB40-4739D0DAE972}" type="datetime1">
               <a:rPr lang="ko-KR" altLang="en-US" smtClean="0"/>
-              <a:t>2024-04-15</a:t>
+              <a:t>2024-04-18</a:t>
             </a:fld>
             <a:endParaRPr lang="ko-KR" altLang="en-US" dirty="0"/>
           </a:p>
@@ -2709,7 +2720,7 @@
           <a:p>
             <a:fld id="{9E45620A-9A66-47B0-9218-43F171A33458}" type="datetime1">
               <a:rPr lang="ko-KR" altLang="en-US" smtClean="0"/>
-              <a:t>2024-04-15</a:t>
+              <a:t>2024-04-18</a:t>
             </a:fld>
             <a:endParaRPr lang="ko-KR" altLang="en-US"/>
           </a:p>
@@ -2985,7 +2996,7 @@
           <a:p>
             <a:fld id="{C1E586D9-B5F3-454A-8918-B4C99ED5AEDE}" type="datetime1">
               <a:rPr lang="ko-KR" altLang="en-US" smtClean="0"/>
-              <a:t>2024-04-15</a:t>
+              <a:t>2024-04-18</a:t>
             </a:fld>
             <a:endParaRPr lang="ko-KR" altLang="en-US"/>
           </a:p>
@@ -3209,7 +3220,7 @@
           <a:p>
             <a:fld id="{B0E4ADD3-F434-478C-876A-1D3933DF4707}" type="datetime1">
               <a:rPr lang="ko-KR" altLang="en-US" smtClean="0"/>
-              <a:t>2024-04-15</a:t>
+              <a:t>2024-04-18</a:t>
             </a:fld>
             <a:endParaRPr lang="ko-KR" altLang="en-US"/>
           </a:p>
@@ -3563,7 +3574,7 @@
           <a:p>
             <a:fld id="{38DF26BB-6A75-410D-A6B0-8FD34915C10D}" type="datetime1">
               <a:rPr lang="ko-KR" altLang="en-US" smtClean="0"/>
-              <a:t>2024-04-15</a:t>
+              <a:t>2024-04-18</a:t>
             </a:fld>
             <a:endParaRPr lang="ko-KR" altLang="en-US"/>
           </a:p>
@@ -3943,7 +3954,7 @@
           <a:p>
             <a:fld id="{4584CDF8-1723-475A-8393-34F016E9B184}" type="datetime1">
               <a:rPr lang="ko-KR" altLang="en-US" smtClean="0"/>
-              <a:t>2024-04-15</a:t>
+              <a:t>2024-04-18</a:t>
             </a:fld>
             <a:endParaRPr lang="ko-KR" altLang="en-US"/>
           </a:p>
@@ -4423,7 +4434,7 @@
           <a:p>
             <a:fld id="{FB8CCD4A-1F8C-4D3E-BDD6-84C4090AF0D6}" type="datetime1">
               <a:rPr lang="ko-KR" altLang="en-US" smtClean="0"/>
-              <a:t>2024-04-15</a:t>
+              <a:t>2024-04-18</a:t>
             </a:fld>
             <a:endParaRPr lang="ko-KR" altLang="en-US"/>
           </a:p>
@@ -4564,7 +4575,7 @@
           <a:p>
             <a:fld id="{CE073545-46C1-49FB-A041-5415163523D0}" type="datetime1">
               <a:rPr lang="ko-KR" altLang="en-US" smtClean="0"/>
-              <a:t>2024-04-15</a:t>
+              <a:t>2024-04-18</a:t>
             </a:fld>
             <a:endParaRPr lang="ko-KR" altLang="en-US"/>
           </a:p>
@@ -4745,7 +4756,7 @@
           <a:p>
             <a:fld id="{7EDBC6A4-6274-4803-89FF-1DA18D4FE7AA}" type="datetime1">
               <a:rPr lang="ko-KR" altLang="en-US" smtClean="0"/>
-              <a:t>2024-04-15</a:t>
+              <a:t>2024-04-18</a:t>
             </a:fld>
             <a:endParaRPr lang="ko-KR" altLang="en-US"/>
           </a:p>
@@ -5056,7 +5067,7 @@
           <a:p>
             <a:fld id="{B84A353D-6971-4305-AB04-6AEE4DD0E048}" type="datetime1">
               <a:rPr lang="ko-KR" altLang="en-US" smtClean="0"/>
-              <a:t>2024-04-15</a:t>
+              <a:t>2024-04-18</a:t>
             </a:fld>
             <a:endParaRPr lang="ko-KR" altLang="en-US"/>
           </a:p>
@@ -5344,7 +5355,7 @@
           <a:p>
             <a:fld id="{4AC75523-461B-44DB-AD97-7C06B206BE7B}" type="datetime1">
               <a:rPr lang="ko-KR" altLang="en-US" smtClean="0"/>
-              <a:t>2024-04-15</a:t>
+              <a:t>2024-04-18</a:t>
             </a:fld>
             <a:endParaRPr lang="ko-KR" altLang="en-US"/>
           </a:p>
@@ -5589,7 +5600,7 @@
           <a:p>
             <a:fld id="{9D1D2423-15C0-4D7C-B759-40ACCC100800}" type="datetime1">
               <a:rPr lang="ko-KR" altLang="en-US" smtClean="0"/>
-              <a:t>2024-04-15</a:t>
+              <a:t>2024-04-18</a:t>
             </a:fld>
             <a:endParaRPr lang="ko-KR" altLang="en-US" dirty="0"/>
           </a:p>
@@ -6298,6 +6309,7 @@
             <a:off x="1524000" y="1122363"/>
             <a:ext cx="9144000" cy="2387600"/>
           </a:xfrm>
+          <a:noFill/>
         </p:spPr>
         <p:txBody>
           <a:bodyPr>
@@ -16678,8 +16690,8 @@
           </a:p>
         </p:txBody>
       </p:sp>
-      <mc:AlternateContent xmlns:mc="http://schemas.openxmlformats.org/markup-compatibility/2006" xmlns:a14="http://schemas.microsoft.com/office/drawing/2010/main">
-        <mc:Choice Requires="a14">
+      <mc:AlternateContent xmlns:mc="http://schemas.openxmlformats.org/markup-compatibility/2006">
+        <mc:Choice xmlns:a14="http://schemas.microsoft.com/office/drawing/2010/main" Requires="a14">
           <p:sp>
             <p:nvSpPr>
               <p:cNvPr id="3" name="내용 개체 틀 2">
@@ -16848,10 +16860,10 @@
                       <m:t>,</m:t>
                     </m:r>
                     <m:r>
-                      <a:rPr lang="en-US" altLang="ko-KR" i="1" baseline="-25000">
+                      <a:rPr lang="en-US" altLang="ko-KR" b="0" i="1" baseline="-25000" smtClean="0">
                         <a:latin typeface="Cambria Math" panose="02040503050406030204" pitchFamily="18" charset="0"/>
                       </a:rPr>
-                      <m:t>𝑅</m:t>
+                      <m:t>𝐷</m:t>
                     </m:r>
                     <m:r>
                       <a:rPr lang="en-US" altLang="ko-KR" i="1" baseline="-25000">
@@ -17482,7 +17494,7 @@
             </p:txBody>
           </p:sp>
         </mc:Choice>
-        <mc:Fallback xmlns="">
+        <mc:Fallback>
           <p:sp>
             <p:nvSpPr>
               <p:cNvPr id="3" name="내용 개체 틀 2">
@@ -26179,8 +26191,8 @@
           </a:p>
         </p:txBody>
       </p:sp>
-      <mc:AlternateContent xmlns:mc="http://schemas.openxmlformats.org/markup-compatibility/2006">
-        <mc:Choice xmlns:a14="http://schemas.microsoft.com/office/drawing/2010/main" Requires="a14">
+      <mc:AlternateContent xmlns:mc="http://schemas.openxmlformats.org/markup-compatibility/2006" xmlns:a14="http://schemas.microsoft.com/office/drawing/2010/main">
+        <mc:Choice Requires="a14">
           <p:sp>
             <p:nvSpPr>
               <p:cNvPr id="3" name="Content Placeholder 2">
@@ -27476,6 +27488,38 @@
                                 </m:r>
                               </m:sup>
                             </m:sSup>
+                            <m:r>
+                              <m:rPr>
+                                <m:sty m:val="p"/>
+                              </m:rPr>
+                              <a:rPr lang="en-US">
+                                <a:solidFill>
+                                  <a:schemeClr val="tx2">
+                                    <a:lumMod val="50000"/>
+                                  </a:schemeClr>
+                                </a:solidFill>
+                                <a:latin typeface="Cambria Math" panose="02040503050406030204" pitchFamily="18" charset="0"/>
+                                <a:ea typeface="Times New Roman" panose="02020603050405020304" pitchFamily="18" charset="0"/>
+                                <a:cs typeface="Calibri" panose="020F0502020204030204" pitchFamily="34" charset="0"/>
+                              </a:rPr>
+                              <m:t>P</m:t>
+                            </m:r>
+                            <m:r>
+                              <m:rPr>
+                                <m:sty m:val="p"/>
+                              </m:rPr>
+                              <a:rPr lang="en-US" baseline="-25000">
+                                <a:solidFill>
+                                  <a:schemeClr val="tx2">
+                                    <a:lumMod val="50000"/>
+                                  </a:schemeClr>
+                                </a:solidFill>
+                                <a:latin typeface="Cambria Math" panose="02040503050406030204" pitchFamily="18" charset="0"/>
+                                <a:ea typeface="Times New Roman" panose="02020603050405020304" pitchFamily="18" charset="0"/>
+                                <a:cs typeface="Calibri" panose="020F0502020204030204" pitchFamily="34" charset="0"/>
+                              </a:rPr>
+                              <m:t>S</m:t>
+                            </m:r>
                           </m:num>
                           <m:den>
                             <m:sSup>
@@ -27888,6 +27932,38 @@
                                 </m:r>
                               </m:sup>
                             </m:sSup>
+                            <m:r>
+                              <m:rPr>
+                                <m:sty m:val="p"/>
+                              </m:rPr>
+                              <a:rPr lang="en-US">
+                                <a:solidFill>
+                                  <a:schemeClr val="tx2">
+                                    <a:lumMod val="50000"/>
+                                  </a:schemeClr>
+                                </a:solidFill>
+                                <a:latin typeface="Cambria Math" panose="02040503050406030204" pitchFamily="18" charset="0"/>
+                                <a:ea typeface="Times New Roman" panose="02020603050405020304" pitchFamily="18" charset="0"/>
+                                <a:cs typeface="Calibri" panose="020F0502020204030204" pitchFamily="34" charset="0"/>
+                              </a:rPr>
+                              <m:t>P</m:t>
+                            </m:r>
+                            <m:r>
+                              <m:rPr>
+                                <m:sty m:val="p"/>
+                              </m:rPr>
+                              <a:rPr lang="en-US" baseline="-25000">
+                                <a:solidFill>
+                                  <a:schemeClr val="tx2">
+                                    <a:lumMod val="50000"/>
+                                  </a:schemeClr>
+                                </a:solidFill>
+                                <a:latin typeface="Cambria Math" panose="02040503050406030204" pitchFamily="18" charset="0"/>
+                                <a:ea typeface="Times New Roman" panose="02020603050405020304" pitchFamily="18" charset="0"/>
+                                <a:cs typeface="Calibri" panose="020F0502020204030204" pitchFamily="34" charset="0"/>
+                              </a:rPr>
+                              <m:t>S</m:t>
+                            </m:r>
                           </m:num>
                           <m:den>
                             <m:sSup>
@@ -28120,7 +28196,13 @@
                                       <a:rPr lang="en-US" b="0" i="1" smtClean="0">
                                         <a:latin typeface="Cambria Math" panose="02040503050406030204" pitchFamily="18" charset="0"/>
                                       </a:rPr>
-                                      <m:t>h𝐷𝑅</m:t>
+                                      <m:t>h</m:t>
+                                    </m:r>
+                                    <m:r>
+                                      <a:rPr lang="en-US" b="0" i="1" baseline="-25000" smtClean="0">
+                                        <a:latin typeface="Cambria Math" panose="02040503050406030204" pitchFamily="18" charset="0"/>
+                                      </a:rPr>
+                                      <m:t>𝐷𝑅</m:t>
                                     </m:r>
                                   </m:e>
                                 </m:d>
@@ -28223,7 +28305,7 @@
             </p:txBody>
           </p:sp>
         </mc:Choice>
-        <mc:Fallback>
+        <mc:Fallback xmlns="">
           <p:sp>
             <p:nvSpPr>
               <p:cNvPr id="3" name="Content Placeholder 2">
@@ -29748,8 +29830,8 @@
           </a:p>
         </p:txBody>
       </p:sp>
-      <mc:AlternateContent xmlns:mc="http://schemas.openxmlformats.org/markup-compatibility/2006">
-        <mc:Choice xmlns:a14="http://schemas.microsoft.com/office/drawing/2010/main" Requires="a14">
+      <mc:AlternateContent xmlns:mc="http://schemas.openxmlformats.org/markup-compatibility/2006" xmlns:a14="http://schemas.microsoft.com/office/drawing/2010/main">
+        <mc:Choice Requires="a14">
           <p:sp>
             <p:nvSpPr>
               <p:cNvPr id="3" name="Content Placeholder 2">
@@ -30031,6 +30113,38 @@
                                 </m:r>
                               </m:sup>
                             </m:sSup>
+                            <m:r>
+                              <m:rPr>
+                                <m:sty m:val="p"/>
+                              </m:rPr>
+                              <a:rPr lang="en-US">
+                                <a:solidFill>
+                                  <a:schemeClr val="tx2">
+                                    <a:lumMod val="50000"/>
+                                  </a:schemeClr>
+                                </a:solidFill>
+                                <a:latin typeface="Cambria Math" panose="02040503050406030204" pitchFamily="18" charset="0"/>
+                                <a:ea typeface="Times New Roman" panose="02020603050405020304" pitchFamily="18" charset="0"/>
+                                <a:cs typeface="Calibri" panose="020F0502020204030204" pitchFamily="34" charset="0"/>
+                              </a:rPr>
+                              <m:t>P</m:t>
+                            </m:r>
+                            <m:r>
+                              <m:rPr>
+                                <m:sty m:val="p"/>
+                              </m:rPr>
+                              <a:rPr lang="en-US" baseline="-25000">
+                                <a:solidFill>
+                                  <a:schemeClr val="tx2">
+                                    <a:lumMod val="50000"/>
+                                  </a:schemeClr>
+                                </a:solidFill>
+                                <a:latin typeface="Cambria Math" panose="02040503050406030204" pitchFamily="18" charset="0"/>
+                                <a:ea typeface="Times New Roman" panose="02020603050405020304" pitchFamily="18" charset="0"/>
+                                <a:cs typeface="Calibri" panose="020F0502020204030204" pitchFamily="34" charset="0"/>
+                              </a:rPr>
+                              <m:t>S</m:t>
+                            </m:r>
                           </m:num>
                           <m:den>
                             <m:sSup>
@@ -30301,6 +30415,38 @@
                                 </m:r>
                               </m:sup>
                             </m:sSup>
+                            <m:r>
+                              <m:rPr>
+                                <m:sty m:val="p"/>
+                              </m:rPr>
+                              <a:rPr lang="en-US">
+                                <a:solidFill>
+                                  <a:schemeClr val="tx2">
+                                    <a:lumMod val="50000"/>
+                                  </a:schemeClr>
+                                </a:solidFill>
+                                <a:latin typeface="Cambria Math" panose="02040503050406030204" pitchFamily="18" charset="0"/>
+                                <a:ea typeface="Times New Roman" panose="02020603050405020304" pitchFamily="18" charset="0"/>
+                                <a:cs typeface="Calibri" panose="020F0502020204030204" pitchFamily="34" charset="0"/>
+                              </a:rPr>
+                              <m:t>P</m:t>
+                            </m:r>
+                            <m:r>
+                              <m:rPr>
+                                <m:sty m:val="p"/>
+                              </m:rPr>
+                              <a:rPr lang="en-US" baseline="-25000">
+                                <a:solidFill>
+                                  <a:schemeClr val="tx2">
+                                    <a:lumMod val="50000"/>
+                                  </a:schemeClr>
+                                </a:solidFill>
+                                <a:latin typeface="Cambria Math" panose="02040503050406030204" pitchFamily="18" charset="0"/>
+                                <a:ea typeface="Times New Roman" panose="02020603050405020304" pitchFamily="18" charset="0"/>
+                                <a:cs typeface="Calibri" panose="020F0502020204030204" pitchFamily="34" charset="0"/>
+                              </a:rPr>
+                              <m:t>S</m:t>
+                            </m:r>
                           </m:num>
                           <m:den>
                             <m:sSup>
@@ -31177,6 +31323,38 @@
                                 </m:r>
                               </m:sup>
                             </m:sSup>
+                            <m:r>
+                              <m:rPr>
+                                <m:sty m:val="p"/>
+                              </m:rPr>
+                              <a:rPr lang="en-US">
+                                <a:solidFill>
+                                  <a:schemeClr val="tx2">
+                                    <a:lumMod val="50000"/>
+                                  </a:schemeClr>
+                                </a:solidFill>
+                                <a:latin typeface="Cambria Math" panose="02040503050406030204" pitchFamily="18" charset="0"/>
+                                <a:ea typeface="Times New Roman" panose="02020603050405020304" pitchFamily="18" charset="0"/>
+                                <a:cs typeface="Calibri" panose="020F0502020204030204" pitchFamily="34" charset="0"/>
+                              </a:rPr>
+                              <m:t>P</m:t>
+                            </m:r>
+                            <m:r>
+                              <m:rPr>
+                                <m:sty m:val="p"/>
+                              </m:rPr>
+                              <a:rPr lang="en-US" baseline="-25000">
+                                <a:solidFill>
+                                  <a:schemeClr val="tx2">
+                                    <a:lumMod val="50000"/>
+                                  </a:schemeClr>
+                                </a:solidFill>
+                                <a:latin typeface="Cambria Math" panose="02040503050406030204" pitchFamily="18" charset="0"/>
+                                <a:ea typeface="Times New Roman" panose="02020603050405020304" pitchFamily="18" charset="0"/>
+                                <a:cs typeface="Calibri" panose="020F0502020204030204" pitchFamily="34" charset="0"/>
+                              </a:rPr>
+                              <m:t>S</m:t>
+                            </m:r>
                           </m:num>
                           <m:den>
                             <m:sSup>
@@ -31425,6 +31603,38 @@
                                 </m:r>
                               </m:sup>
                             </m:sSup>
+                            <m:r>
+                              <m:rPr>
+                                <m:sty m:val="p"/>
+                              </m:rPr>
+                              <a:rPr lang="en-US">
+                                <a:solidFill>
+                                  <a:schemeClr val="tx2">
+                                    <a:lumMod val="50000"/>
+                                  </a:schemeClr>
+                                </a:solidFill>
+                                <a:latin typeface="Cambria Math" panose="02040503050406030204" pitchFamily="18" charset="0"/>
+                                <a:ea typeface="Times New Roman" panose="02020603050405020304" pitchFamily="18" charset="0"/>
+                                <a:cs typeface="Calibri" panose="020F0502020204030204" pitchFamily="34" charset="0"/>
+                              </a:rPr>
+                              <m:t>P</m:t>
+                            </m:r>
+                            <m:r>
+                              <m:rPr>
+                                <m:sty m:val="p"/>
+                              </m:rPr>
+                              <a:rPr lang="en-US" baseline="-25000">
+                                <a:solidFill>
+                                  <a:schemeClr val="tx2">
+                                    <a:lumMod val="50000"/>
+                                  </a:schemeClr>
+                                </a:solidFill>
+                                <a:latin typeface="Cambria Math" panose="02040503050406030204" pitchFamily="18" charset="0"/>
+                                <a:ea typeface="Times New Roman" panose="02020603050405020304" pitchFamily="18" charset="0"/>
+                                <a:cs typeface="Calibri" panose="020F0502020204030204" pitchFamily="34" charset="0"/>
+                              </a:rPr>
+                              <m:t>S</m:t>
+                            </m:r>
                           </m:num>
                           <m:den>
                             <m:sSup>
@@ -31744,7 +31954,7 @@
             </p:txBody>
           </p:sp>
         </mc:Choice>
-        <mc:Fallback>
+        <mc:Fallback xmlns="">
           <p:sp>
             <p:nvSpPr>
               <p:cNvPr id="3" name="Content Placeholder 2">
@@ -31765,7 +31975,7 @@
               <a:blipFill>
                 <a:blip r:embed="rId2"/>
                 <a:stretch>
-                  <a:fillRect l="-522" t="-1213"/>
+                  <a:fillRect l="-1217" t="-1213" b="-30054"/>
                 </a:stretch>
               </a:blipFill>
             </p:spPr>
@@ -33253,7 +33463,12 @@
             <p:ph type="title"/>
           </p:nvPr>
         </p:nvSpPr>
-        <p:spPr/>
+        <p:spPr>
+          <a:xfrm>
+            <a:off x="831850" y="1470026"/>
+            <a:ext cx="10515600" cy="2852737"/>
+          </a:xfrm>
+        </p:spPr>
         <p:txBody>
           <a:bodyPr/>
           <a:lstStyle/>
@@ -33268,10 +33483,10 @@
       </p:sp>
       <p:sp>
         <p:nvSpPr>
-          <p:cNvPr id="3" name="Text Placeholder 2">
+          <p:cNvPr id="7" name="Text Placeholder 6">
             <a:extLst>
               <a:ext uri="{FF2B5EF4-FFF2-40B4-BE49-F238E27FC236}">
-                <a16:creationId xmlns:a16="http://schemas.microsoft.com/office/drawing/2014/main" id="{3528A558-46DC-6C67-9CC7-EBD52B4112B1}"/>
+                <a16:creationId xmlns:a16="http://schemas.microsoft.com/office/drawing/2014/main" id="{898F5AC5-0523-3036-DEDF-59FB909A806E}"/>
               </a:ext>
             </a:extLst>
           </p:cNvPr>
@@ -33287,7 +33502,7 @@
           <a:bodyPr/>
           <a:lstStyle/>
           <a:p>
-            <a:endParaRPr lang="en-KR"/>
+            <a:endParaRPr lang="en-US"/>
           </a:p>
         </p:txBody>
       </p:sp>
@@ -33307,13 +33522,19 @@
             <p:ph type="sldNum" sz="quarter" idx="12"/>
           </p:nvPr>
         </p:nvSpPr>
-        <p:spPr/>
+        <p:spPr>
+          <a:xfrm>
+            <a:off x="838200" y="6356350"/>
+            <a:ext cx="1333107" cy="365125"/>
+          </a:xfrm>
+        </p:spPr>
         <p:txBody>
           <a:bodyPr/>
           <a:lstStyle/>
           <a:p>
             <a:fld id="{A439D109-9F59-4B0B-8E20-D6D3A384B1F1}" type="slidenum">
               <a:rPr lang="ko-KR" altLang="en-US" smtClean="0"/>
+              <a:pPr/>
               <a:t>32</a:t>
             </a:fld>
             <a:endParaRPr lang="ko-KR" altLang="en-US"/>
@@ -44760,6 +44981,15 @@
 </file>
 
 <file path=customXml/item1.xml><?xml version="1.0" encoding="utf-8"?>
+<?mso-contentType ?>
+<FormTemplates xmlns="http://schemas.microsoft.com/sharepoint/v3/contenttype/forms">
+  <Display>DocumentLibraryForm</Display>
+  <Edit>DocumentLibraryForm</Edit>
+  <New>DocumentLibraryForm</New>
+</FormTemplates>
+</file>
+
+<file path=customXml/item2.xml><?xml version="1.0" encoding="utf-8"?>
 <ct:contentTypeSchema xmlns:ct="http://schemas.microsoft.com/office/2006/metadata/contentType" xmlns:ma="http://schemas.microsoft.com/office/2006/metadata/properties/metaAttributes" ct:_="" ma:_="" ma:contentTypeName="Document" ma:contentTypeID="0x010100CDD1B8258B04314AB752C94D0B468742" ma:contentTypeVersion="11" ma:contentTypeDescription="Create a new document." ma:contentTypeScope="" ma:versionID="74d2a3f1e9ad9535c8f51eacab041852">
   <xsd:schema xmlns:xsd="http://www.w3.org/2001/XMLSchema" xmlns:xs="http://www.w3.org/2001/XMLSchema" xmlns:p="http://schemas.microsoft.com/office/2006/metadata/properties" xmlns:ns2="c207a02d-b84a-49f0-864c-a3c055060aaf" xmlns:ns3="39fed8c9-7096-4e61-8f88-d2ef9f851ffe" targetNamespace="http://schemas.microsoft.com/office/2006/metadata/properties" ma:root="true" ma:fieldsID="bf2f5d96ee70ae2c03e7b814aee7acfe" ns2:_="" ns3:_="">
     <xsd:import namespace="c207a02d-b84a-49f0-864c-a3c055060aaf"/>
@@ -44954,7 +45184,7 @@
 </ct:contentTypeSchema>
 </file>
 
-<file path=customXml/item2.xml><?xml version="1.0" encoding="utf-8"?>
+<file path=customXml/item3.xml><?xml version="1.0" encoding="utf-8"?>
 <p:properties xmlns:p="http://schemas.microsoft.com/office/2006/metadata/properties" xmlns:xsi="http://www.w3.org/2001/XMLSchema-instance" xmlns:pc="http://schemas.microsoft.com/office/infopath/2007/PartnerControls">
   <documentManagement>
     <TaxCatchAll xmlns="39fed8c9-7096-4e61-8f88-d2ef9f851ffe" xsi:nil="true"/>
@@ -44965,16 +45195,15 @@
 </p:properties>
 </file>
 
-<file path=customXml/item3.xml><?xml version="1.0" encoding="utf-8"?>
-<?mso-contentType ?>
-<FormTemplates xmlns="http://schemas.microsoft.com/sharepoint/v3/contenttype/forms">
-  <Display>DocumentLibraryForm</Display>
-  <Edit>DocumentLibraryForm</Edit>
-  <New>DocumentLibraryForm</New>
-</FormTemplates>
+<file path=customXml/itemProps1.xml><?xml version="1.0" encoding="utf-8"?>
+<ds:datastoreItem xmlns:ds="http://schemas.openxmlformats.org/officeDocument/2006/customXml" ds:itemID="{237EC9C7-C9EA-4A19-8EDB-1AE6A51237B8}">
+  <ds:schemaRefs>
+    <ds:schemaRef ds:uri="http://schemas.microsoft.com/sharepoint/v3/contenttype/forms"/>
+  </ds:schemaRefs>
+</ds:datastoreItem>
 </file>
 
-<file path=customXml/itemProps1.xml><?xml version="1.0" encoding="utf-8"?>
+<file path=customXml/itemProps2.xml><?xml version="1.0" encoding="utf-8"?>
 <ds:datastoreItem xmlns:ds="http://schemas.openxmlformats.org/officeDocument/2006/customXml" ds:itemID="{B76A0CF7-BEB4-4092-AD55-172BB0CDBCDC}">
   <ds:schemaRefs>
     <ds:schemaRef ds:uri="http://schemas.microsoft.com/office/2006/metadata/contentType"/>
@@ -44993,7 +45222,7 @@
 </ds:datastoreItem>
 </file>
 
-<file path=customXml/itemProps2.xml><?xml version="1.0" encoding="utf-8"?>
+<file path=customXml/itemProps3.xml><?xml version="1.0" encoding="utf-8"?>
 <ds:datastoreItem xmlns:ds="http://schemas.openxmlformats.org/officeDocument/2006/customXml" ds:itemID="{48972538-1B81-4B2E-8960-3621C58FCC3F}">
   <ds:schemaRefs>
     <ds:schemaRef ds:uri="http://schemas.microsoft.com/office/2006/metadata/properties"/>
@@ -45002,12 +45231,4 @@
     <ds:schemaRef ds:uri="c207a02d-b84a-49f0-864c-a3c055060aaf"/>
   </ds:schemaRefs>
 </ds:datastoreItem>
-</file>
-
-<file path=customXml/itemProps3.xml><?xml version="1.0" encoding="utf-8"?>
-<ds:datastoreItem xmlns:ds="http://schemas.openxmlformats.org/officeDocument/2006/customXml" ds:itemID="{237EC9C7-C9EA-4A19-8EDB-1AE6A51237B8}">
-  <ds:schemaRefs>
-    <ds:schemaRef ds:uri="http://schemas.microsoft.com/sharepoint/v3/contenttype/forms"/>
-  </ds:schemaRefs>
-</ds:datastoreItem>
 </file>
--- a/New Problem/Covert_FD_DEPmax v1 20240329.pptx
+++ b/New Problem/Covert_FD_DEPmax v1 20240329.pptx
@@ -5,7 +5,7 @@
     <p:sldMasterId id="2147483648" r:id="rId4"/>
   </p:sldMasterIdLst>
   <p:notesMasterIdLst>
-    <p:notesMasterId r:id="rId47"/>
+    <p:notesMasterId r:id="rId46"/>
   </p:notesMasterIdLst>
   <p:sldIdLst>
     <p:sldId id="1420" r:id="rId5"/>
@@ -38,18 +38,17 @@
     <p:sldId id="1606" r:id="rId32"/>
     <p:sldId id="1607" r:id="rId33"/>
     <p:sldId id="1605" r:id="rId34"/>
-    <p:sldId id="1608" r:id="rId35"/>
-    <p:sldId id="1494" r:id="rId36"/>
-    <p:sldId id="1552" r:id="rId37"/>
-    <p:sldId id="1557" r:id="rId38"/>
-    <p:sldId id="1553" r:id="rId39"/>
-    <p:sldId id="1588" r:id="rId40"/>
-    <p:sldId id="1594" r:id="rId41"/>
-    <p:sldId id="1593" r:id="rId42"/>
-    <p:sldId id="1595" r:id="rId43"/>
-    <p:sldId id="1596" r:id="rId44"/>
-    <p:sldId id="1507" r:id="rId45"/>
-    <p:sldId id="1576" r:id="rId46"/>
+    <p:sldId id="1494" r:id="rId35"/>
+    <p:sldId id="1552" r:id="rId36"/>
+    <p:sldId id="1557" r:id="rId37"/>
+    <p:sldId id="1553" r:id="rId38"/>
+    <p:sldId id="1588" r:id="rId39"/>
+    <p:sldId id="1594" r:id="rId40"/>
+    <p:sldId id="1593" r:id="rId41"/>
+    <p:sldId id="1595" r:id="rId42"/>
+    <p:sldId id="1596" r:id="rId43"/>
+    <p:sldId id="1507" r:id="rId44"/>
+    <p:sldId id="1576" r:id="rId45"/>
   </p:sldIdLst>
   <p:sldSz cx="12192000" cy="6858000"/>
   <p:notesSz cx="6858000" cy="9144000"/>
@@ -199,7 +198,6 @@
             <p14:sldId id="1606"/>
             <p14:sldId id="1607"/>
             <p14:sldId id="1605"/>
-            <p14:sldId id="1608"/>
           </p14:sldIdLst>
         </p14:section>
         <p14:section name="5_Numerical results" id="{AD33BE11-0F09-C444-A72D-CFBC3FC6B6DB}">
@@ -1105,7 +1103,7 @@
           <a:p>
             <a:fld id="{0D7A80AD-75C0-4139-8349-D7A56AAE3422}" type="datetimeFigureOut">
               <a:rPr lang="ko-KR" altLang="en-US" smtClean="0"/>
-              <a:t>2024-04-18</a:t>
+              <a:t>2024-04-27</a:t>
             </a:fld>
             <a:endParaRPr lang="ko-KR" altLang="en-US"/>
           </a:p>
@@ -1605,7 +1603,7 @@
           <a:p>
             <a:fld id="{79B06930-2FBF-4BDF-BB7A-ED0F3C0B8516}" type="slidenum">
               <a:rPr lang="ko-KR" altLang="en-US" smtClean="0"/>
-              <a:t>41</a:t>
+              <a:t>40</a:t>
             </a:fld>
             <a:endParaRPr lang="ko-KR" altLang="en-US"/>
           </a:p>
@@ -2449,7 +2447,7 @@
           <a:p>
             <a:fld id="{3DF3EF48-9CCD-4EE9-BB40-4739D0DAE972}" type="datetime1">
               <a:rPr lang="ko-KR" altLang="en-US" smtClean="0"/>
-              <a:t>2024-04-18</a:t>
+              <a:t>2024-04-27</a:t>
             </a:fld>
             <a:endParaRPr lang="ko-KR" altLang="en-US" dirty="0"/>
           </a:p>
@@ -2720,7 +2718,7 @@
           <a:p>
             <a:fld id="{9E45620A-9A66-47B0-9218-43F171A33458}" type="datetime1">
               <a:rPr lang="ko-KR" altLang="en-US" smtClean="0"/>
-              <a:t>2024-04-18</a:t>
+              <a:t>2024-04-27</a:t>
             </a:fld>
             <a:endParaRPr lang="ko-KR" altLang="en-US"/>
           </a:p>
@@ -2996,7 +2994,7 @@
           <a:p>
             <a:fld id="{C1E586D9-B5F3-454A-8918-B4C99ED5AEDE}" type="datetime1">
               <a:rPr lang="ko-KR" altLang="en-US" smtClean="0"/>
-              <a:t>2024-04-18</a:t>
+              <a:t>2024-04-27</a:t>
             </a:fld>
             <a:endParaRPr lang="ko-KR" altLang="en-US"/>
           </a:p>
@@ -3220,7 +3218,7 @@
           <a:p>
             <a:fld id="{B0E4ADD3-F434-478C-876A-1D3933DF4707}" type="datetime1">
               <a:rPr lang="ko-KR" altLang="en-US" smtClean="0"/>
-              <a:t>2024-04-18</a:t>
+              <a:t>2024-04-27</a:t>
             </a:fld>
             <a:endParaRPr lang="ko-KR" altLang="en-US"/>
           </a:p>
@@ -3574,7 +3572,7 @@
           <a:p>
             <a:fld id="{38DF26BB-6A75-410D-A6B0-8FD34915C10D}" type="datetime1">
               <a:rPr lang="ko-KR" altLang="en-US" smtClean="0"/>
-              <a:t>2024-04-18</a:t>
+              <a:t>2024-04-27</a:t>
             </a:fld>
             <a:endParaRPr lang="ko-KR" altLang="en-US"/>
           </a:p>
@@ -3954,7 +3952,7 @@
           <a:p>
             <a:fld id="{4584CDF8-1723-475A-8393-34F016E9B184}" type="datetime1">
               <a:rPr lang="ko-KR" altLang="en-US" smtClean="0"/>
-              <a:t>2024-04-18</a:t>
+              <a:t>2024-04-27</a:t>
             </a:fld>
             <a:endParaRPr lang="ko-KR" altLang="en-US"/>
           </a:p>
@@ -4434,7 +4432,7 @@
           <a:p>
             <a:fld id="{FB8CCD4A-1F8C-4D3E-BDD6-84C4090AF0D6}" type="datetime1">
               <a:rPr lang="ko-KR" altLang="en-US" smtClean="0"/>
-              <a:t>2024-04-18</a:t>
+              <a:t>2024-04-27</a:t>
             </a:fld>
             <a:endParaRPr lang="ko-KR" altLang="en-US"/>
           </a:p>
@@ -4575,7 +4573,7 @@
           <a:p>
             <a:fld id="{CE073545-46C1-49FB-A041-5415163523D0}" type="datetime1">
               <a:rPr lang="ko-KR" altLang="en-US" smtClean="0"/>
-              <a:t>2024-04-18</a:t>
+              <a:t>2024-04-27</a:t>
             </a:fld>
             <a:endParaRPr lang="ko-KR" altLang="en-US"/>
           </a:p>
@@ -4756,7 +4754,7 @@
           <a:p>
             <a:fld id="{7EDBC6A4-6274-4803-89FF-1DA18D4FE7AA}" type="datetime1">
               <a:rPr lang="ko-KR" altLang="en-US" smtClean="0"/>
-              <a:t>2024-04-18</a:t>
+              <a:t>2024-04-27</a:t>
             </a:fld>
             <a:endParaRPr lang="ko-KR" altLang="en-US"/>
           </a:p>
@@ -5067,7 +5065,7 @@
           <a:p>
             <a:fld id="{B84A353D-6971-4305-AB04-6AEE4DD0E048}" type="datetime1">
               <a:rPr lang="ko-KR" altLang="en-US" smtClean="0"/>
-              <a:t>2024-04-18</a:t>
+              <a:t>2024-04-27</a:t>
             </a:fld>
             <a:endParaRPr lang="ko-KR" altLang="en-US"/>
           </a:p>
@@ -5355,7 +5353,7 @@
           <a:p>
             <a:fld id="{4AC75523-461B-44DB-AD97-7C06B206BE7B}" type="datetime1">
               <a:rPr lang="ko-KR" altLang="en-US" smtClean="0"/>
-              <a:t>2024-04-18</a:t>
+              <a:t>2024-04-27</a:t>
             </a:fld>
             <a:endParaRPr lang="ko-KR" altLang="en-US"/>
           </a:p>
@@ -5600,7 +5598,7 @@
           <a:p>
             <a:fld id="{9D1D2423-15C0-4D7C-B759-40ACCC100800}" type="datetime1">
               <a:rPr lang="ko-KR" altLang="en-US" smtClean="0"/>
-              <a:t>2024-04-18</a:t>
+              <a:t>2024-04-27</a:t>
             </a:fld>
             <a:endParaRPr lang="ko-KR" altLang="en-US" dirty="0"/>
           </a:p>
@@ -16690,8 +16688,8 @@
           </a:p>
         </p:txBody>
       </p:sp>
-      <mc:AlternateContent xmlns:mc="http://schemas.openxmlformats.org/markup-compatibility/2006">
-        <mc:Choice xmlns:a14="http://schemas.microsoft.com/office/drawing/2010/main" Requires="a14">
+      <mc:AlternateContent xmlns:mc="http://schemas.openxmlformats.org/markup-compatibility/2006" xmlns:a14="http://schemas.microsoft.com/office/drawing/2010/main">
+        <mc:Choice Requires="a14">
           <p:sp>
             <p:nvSpPr>
               <p:cNvPr id="3" name="내용 개체 틀 2">
@@ -17494,7 +17492,7 @@
             </p:txBody>
           </p:sp>
         </mc:Choice>
-        <mc:Fallback>
+        <mc:Fallback xmlns="">
           <p:sp>
             <p:nvSpPr>
               <p:cNvPr id="3" name="내용 개체 틀 2">
@@ -32058,1400 +32056,6 @@
           <p:cNvPr id="2" name="Title 1">
             <a:extLst>
               <a:ext uri="{FF2B5EF4-FFF2-40B4-BE49-F238E27FC236}">
-                <a16:creationId xmlns:a16="http://schemas.microsoft.com/office/drawing/2014/main" id="{B1B84E35-FFE6-E76F-45D5-923DFED678A5}"/>
-              </a:ext>
-            </a:extLst>
-          </p:cNvPr>
-          <p:cNvSpPr>
-            <a:spLocks noGrp="1"/>
-          </p:cNvSpPr>
-          <p:nvPr>
-            <p:ph type="title"/>
-          </p:nvPr>
-        </p:nvSpPr>
-        <p:spPr/>
-        <p:txBody>
-          <a:bodyPr/>
-          <a:lstStyle/>
-          <a:p>
-            <a:endParaRPr lang="en-US"/>
-          </a:p>
-        </p:txBody>
-      </p:sp>
-      <p:sp>
-        <p:nvSpPr>
-          <p:cNvPr id="3" name="Content Placeholder 2">
-            <a:extLst>
-              <a:ext uri="{FF2B5EF4-FFF2-40B4-BE49-F238E27FC236}">
-                <a16:creationId xmlns:a16="http://schemas.microsoft.com/office/drawing/2014/main" id="{D5624557-0DF0-A022-4421-53D1ABC9049E}"/>
-              </a:ext>
-            </a:extLst>
-          </p:cNvPr>
-          <p:cNvSpPr>
-            <a:spLocks noGrp="1"/>
-          </p:cNvSpPr>
-          <p:nvPr>
-            <p:ph idx="1"/>
-          </p:nvPr>
-        </p:nvSpPr>
-        <p:spPr/>
-        <p:txBody>
-          <a:bodyPr/>
-          <a:lstStyle/>
-          <a:p>
-            <a:endParaRPr lang="en-US" dirty="0"/>
-          </a:p>
-        </p:txBody>
-      </p:sp>
-      <p:sp>
-        <p:nvSpPr>
-          <p:cNvPr id="4" name="Slide Number Placeholder 3">
-            <a:extLst>
-              <a:ext uri="{FF2B5EF4-FFF2-40B4-BE49-F238E27FC236}">
-                <a16:creationId xmlns:a16="http://schemas.microsoft.com/office/drawing/2014/main" id="{69FB0A84-AE15-714D-0057-C4FFFD9E8B71}"/>
-              </a:ext>
-            </a:extLst>
-          </p:cNvPr>
-          <p:cNvSpPr>
-            <a:spLocks noGrp="1"/>
-          </p:cNvSpPr>
-          <p:nvPr>
-            <p:ph type="sldNum" sz="quarter" idx="12"/>
-          </p:nvPr>
-        </p:nvSpPr>
-        <p:spPr/>
-        <p:txBody>
-          <a:bodyPr/>
-          <a:lstStyle/>
-          <a:p>
-            <a:fld id="{A439D109-9F59-4B0B-8E20-D6D3A384B1F1}" type="slidenum">
-              <a:rPr lang="ko-KR" altLang="en-US" smtClean="0"/>
-              <a:t>31</a:t>
-            </a:fld>
-            <a:endParaRPr lang="ko-KR" altLang="en-US"/>
-          </a:p>
-        </p:txBody>
-      </p:sp>
-      <mc:AlternateContent xmlns:mc="http://schemas.openxmlformats.org/markup-compatibility/2006" xmlns:a14="http://schemas.microsoft.com/office/drawing/2010/main">
-        <mc:Choice Requires="a14">
-          <p:sp>
-            <p:nvSpPr>
-              <p:cNvPr id="6" name="TextBox 5">
-                <a:extLst>
-                  <a:ext uri="{FF2B5EF4-FFF2-40B4-BE49-F238E27FC236}">
-                    <a16:creationId xmlns:a16="http://schemas.microsoft.com/office/drawing/2014/main" id="{8218D79F-7FD3-133A-CEE7-443CBBFB7A0B}"/>
-                  </a:ext>
-                </a:extLst>
-              </p:cNvPr>
-              <p:cNvSpPr txBox="1"/>
-              <p:nvPr/>
-            </p:nvSpPr>
-            <p:spPr>
-              <a:xfrm>
-                <a:off x="3649580" y="2149371"/>
-                <a:ext cx="6096000" cy="2430922"/>
-              </a:xfrm>
-              <a:prstGeom prst="rect">
-                <a:avLst/>
-              </a:prstGeom>
-              <a:noFill/>
-            </p:spPr>
-            <p:txBody>
-              <a:bodyPr wrap="square">
-                <a:spAutoFit/>
-              </a:bodyPr>
-              <a:lstStyle/>
-              <a:p>
-                <a14:m>
-                  <m:oMath xmlns:m="http://schemas.openxmlformats.org/officeDocument/2006/math">
-                    <m:d>
-                      <m:dPr>
-                        <m:ctrlPr>
-                          <a:rPr lang="en-US" sz="1800" b="0" i="1" smtClean="0">
-                            <a:solidFill>
-                              <a:schemeClr val="tx2">
-                                <a:lumMod val="50000"/>
-                              </a:schemeClr>
-                            </a:solidFill>
-                            <a:effectLst/>
-                            <a:latin typeface="Cambria Math" panose="02040503050406030204" pitchFamily="18" charset="0"/>
-                            <a:ea typeface="Times New Roman" panose="02020603050405020304" pitchFamily="18" charset="0"/>
-                            <a:cs typeface="Calibri" panose="020F0502020204030204" pitchFamily="34" charset="0"/>
-                          </a:rPr>
-                        </m:ctrlPr>
-                      </m:dPr>
-                      <m:e>
-                        <m:r>
-                          <a:rPr lang="en-US" sz="1800" b="0" i="1" smtClean="0">
-                            <a:solidFill>
-                              <a:schemeClr val="tx2">
-                                <a:lumMod val="50000"/>
-                              </a:schemeClr>
-                            </a:solidFill>
-                            <a:effectLst/>
-                            <a:latin typeface="Cambria Math" panose="02040503050406030204" pitchFamily="18" charset="0"/>
-                            <a:ea typeface="Times New Roman" panose="02020603050405020304" pitchFamily="18" charset="0"/>
-                            <a:cs typeface="Calibri" panose="020F0502020204030204" pitchFamily="34" charset="0"/>
-                          </a:rPr>
-                          <m:t>𝑃</m:t>
-                        </m:r>
-                        <m:r>
-                          <a:rPr lang="en-US" sz="1800" b="0" i="1" smtClean="0">
-                            <a:solidFill>
-                              <a:schemeClr val="tx2">
-                                <a:lumMod val="50000"/>
-                              </a:schemeClr>
-                            </a:solidFill>
-                            <a:effectLst/>
-                            <a:latin typeface="Cambria Math" panose="02040503050406030204" pitchFamily="18" charset="0"/>
-                            <a:ea typeface="Times New Roman" panose="02020603050405020304" pitchFamily="18" charset="0"/>
-                            <a:cs typeface="Calibri" panose="020F0502020204030204" pitchFamily="34" charset="0"/>
-                          </a:rPr>
-                          <m:t>1</m:t>
-                        </m:r>
-                      </m:e>
-                    </m:d>
-                    <m:r>
-                      <a:rPr lang="en-US" sz="1800" b="0" i="1" smtClean="0">
-                        <a:solidFill>
-                          <a:schemeClr val="tx2">
-                            <a:lumMod val="50000"/>
-                          </a:schemeClr>
-                        </a:solidFill>
-                        <a:effectLst/>
-                        <a:latin typeface="Cambria Math" panose="02040503050406030204" pitchFamily="18" charset="0"/>
-                        <a:ea typeface="Times New Roman" panose="02020603050405020304" pitchFamily="18" charset="0"/>
-                        <a:cs typeface="Calibri" panose="020F0502020204030204" pitchFamily="34" charset="0"/>
-                      </a:rPr>
-                      <m:t>: </m:t>
-                    </m:r>
-                    <m:limLow>
-                      <m:limLowPr>
-                        <m:ctrlPr>
-                          <a:rPr lang="en-US" sz="1800" b="0" i="1" smtClean="0">
-                            <a:solidFill>
-                              <a:schemeClr val="tx2">
-                                <a:lumMod val="50000"/>
-                              </a:schemeClr>
-                            </a:solidFill>
-                            <a:effectLst/>
-                            <a:latin typeface="Cambria Math" panose="02040503050406030204" pitchFamily="18" charset="0"/>
-                            <a:cs typeface="Calibri" panose="020F0502020204030204" pitchFamily="34" charset="0"/>
-                          </a:rPr>
-                        </m:ctrlPr>
-                      </m:limLowPr>
-                      <m:e>
-                        <m:groupChr>
-                          <m:groupChrPr>
-                            <m:chr m:val="⏟"/>
-                            <m:ctrlPr>
-                              <a:rPr lang="en-US" sz="1800" b="0" i="1" smtClean="0">
-                                <a:solidFill>
-                                  <a:schemeClr val="tx2">
-                                    <a:lumMod val="50000"/>
-                                  </a:schemeClr>
-                                </a:solidFill>
-                                <a:effectLst/>
-                                <a:latin typeface="Cambria Math" panose="02040503050406030204" pitchFamily="18" charset="0"/>
-                                <a:cs typeface="Calibri" panose="020F0502020204030204" pitchFamily="34" charset="0"/>
-                              </a:rPr>
-                            </m:ctrlPr>
-                          </m:groupChrPr>
-                          <m:e>
-                            <m:r>
-                              <a:rPr lang="en-US" sz="1800" b="0" i="1" smtClean="0">
-                                <a:solidFill>
-                                  <a:schemeClr val="tx2">
-                                    <a:lumMod val="50000"/>
-                                  </a:schemeClr>
-                                </a:solidFill>
-                                <a:effectLst/>
-                                <a:latin typeface="Cambria Math" panose="02040503050406030204" pitchFamily="18" charset="0"/>
-                                <a:cs typeface="Calibri" panose="020F0502020204030204" pitchFamily="34" charset="0"/>
-                              </a:rPr>
-                              <m:t>𝑚𝑎𝑥</m:t>
-                            </m:r>
-                          </m:e>
-                        </m:groupChr>
-                      </m:e>
-                      <m:lim>
-                        <m:r>
-                          <a:rPr lang="en-US" sz="1800" b="0" i="1" smtClean="0">
-                            <a:solidFill>
-                              <a:schemeClr val="tx2">
-                                <a:lumMod val="50000"/>
-                              </a:schemeClr>
-                            </a:solidFill>
-                            <a:effectLst/>
-                            <a:latin typeface="Cambria Math" panose="02040503050406030204" pitchFamily="18" charset="0"/>
-                            <a:cs typeface="Calibri" panose="020F0502020204030204" pitchFamily="34" charset="0"/>
-                          </a:rPr>
-                          <m:t>𝑃</m:t>
-                        </m:r>
-                        <m:r>
-                          <a:rPr lang="en-US" sz="1800" b="0" i="1" baseline="-25000" smtClean="0">
-                            <a:solidFill>
-                              <a:schemeClr val="tx2">
-                                <a:lumMod val="50000"/>
-                              </a:schemeClr>
-                            </a:solidFill>
-                            <a:effectLst/>
-                            <a:latin typeface="Cambria Math" panose="02040503050406030204" pitchFamily="18" charset="0"/>
-                            <a:cs typeface="Calibri" panose="020F0502020204030204" pitchFamily="34" charset="0"/>
-                          </a:rPr>
-                          <m:t>𝐷</m:t>
-                        </m:r>
-                        <m:r>
-                          <a:rPr lang="en-US" sz="1800" b="0" i="1" smtClean="0">
-                            <a:solidFill>
-                              <a:schemeClr val="tx2">
-                                <a:lumMod val="50000"/>
-                              </a:schemeClr>
-                            </a:solidFill>
-                            <a:effectLst/>
-                            <a:latin typeface="Cambria Math" panose="02040503050406030204" pitchFamily="18" charset="0"/>
-                            <a:cs typeface="Calibri" panose="020F0502020204030204" pitchFamily="34" charset="0"/>
-                          </a:rPr>
-                          <m:t>,</m:t>
-                        </m:r>
-                        <m:r>
-                          <a:rPr lang="en-US" sz="1800" b="0" i="1" smtClean="0">
-                            <a:solidFill>
-                              <a:schemeClr val="tx2">
-                                <a:lumMod val="50000"/>
-                              </a:schemeClr>
-                            </a:solidFill>
-                            <a:effectLst/>
-                            <a:latin typeface="Cambria Math" panose="02040503050406030204" pitchFamily="18" charset="0"/>
-                            <a:cs typeface="Calibri" panose="020F0502020204030204" pitchFamily="34" charset="0"/>
-                          </a:rPr>
-                          <m:t>𝑟𝑃</m:t>
-                        </m:r>
-                      </m:lim>
-                    </m:limLow>
-                    <m:r>
-                      <a:rPr lang="en-US" sz="1800" b="0" i="1" smtClean="0">
-                        <a:solidFill>
-                          <a:schemeClr val="tx2">
-                            <a:lumMod val="50000"/>
-                          </a:schemeClr>
-                        </a:solidFill>
-                        <a:effectLst/>
-                        <a:latin typeface="Cambria Math" panose="02040503050406030204" pitchFamily="18" charset="0"/>
-                        <a:cs typeface="Calibri" panose="020F0502020204030204" pitchFamily="34" charset="0"/>
-                      </a:rPr>
-                      <m:t> </m:t>
-                    </m:r>
-                    <m:func>
-                      <m:funcPr>
-                        <m:ctrlPr>
-                          <a:rPr lang="en-US" sz="1800" b="0" i="1" smtClean="0">
-                            <a:solidFill>
-                              <a:schemeClr val="tx2">
-                                <a:lumMod val="50000"/>
-                              </a:schemeClr>
-                            </a:solidFill>
-                            <a:effectLst/>
-                            <a:latin typeface="Cambria Math" panose="02040503050406030204" pitchFamily="18" charset="0"/>
-                            <a:cs typeface="Calibri" panose="020F0502020204030204" pitchFamily="34" charset="0"/>
-                          </a:rPr>
-                        </m:ctrlPr>
-                      </m:funcPr>
-                      <m:fName>
-                        <m:r>
-                          <m:rPr>
-                            <m:sty m:val="p"/>
-                          </m:rPr>
-                          <a:rPr lang="en-US" sz="1800" b="0" i="0" smtClean="0">
-                            <a:solidFill>
-                              <a:schemeClr val="tx2">
-                                <a:lumMod val="50000"/>
-                              </a:schemeClr>
-                            </a:solidFill>
-                            <a:effectLst/>
-                            <a:latin typeface="Cambria Math" panose="02040503050406030204" pitchFamily="18" charset="0"/>
-                            <a:cs typeface="Calibri" panose="020F0502020204030204" pitchFamily="34" charset="0"/>
-                          </a:rPr>
-                          <m:t>min</m:t>
-                        </m:r>
-                      </m:fName>
-                      <m:e>
-                        <m:r>
-                          <m:rPr>
-                            <m:sty m:val="p"/>
-                          </m:rPr>
-                          <a:rPr lang="en-US" sz="1800" b="0" i="0" smtClean="0">
-                            <a:solidFill>
-                              <a:schemeClr val="tx2">
-                                <a:lumMod val="50000"/>
-                              </a:schemeClr>
-                            </a:solidFill>
-                            <a:effectLst/>
-                            <a:latin typeface="Cambria Math" panose="02040503050406030204" pitchFamily="18" charset="0"/>
-                            <a:cs typeface="Calibri" panose="020F0502020204030204" pitchFamily="34" charset="0"/>
-                          </a:rPr>
-                          <m:t>Pr</m:t>
-                        </m:r>
-                        <m:r>
-                          <a:rPr lang="en-US" sz="1800" b="0" i="1" smtClean="0">
-                            <a:solidFill>
-                              <a:schemeClr val="tx2">
-                                <a:lumMod val="50000"/>
-                              </a:schemeClr>
-                            </a:solidFill>
-                            <a:effectLst/>
-                            <a:latin typeface="Cambria Math" panose="02040503050406030204" pitchFamily="18" charset="0"/>
-                            <a:cs typeface="Calibri" panose="020F0502020204030204" pitchFamily="34" charset="0"/>
-                          </a:rPr>
-                          <m:t>⁡(</m:t>
-                        </m:r>
-                        <m:r>
-                          <a:rPr lang="en-US" sz="1800" b="0" i="1" smtClean="0">
-                            <a:solidFill>
-                              <a:schemeClr val="tx2">
-                                <a:lumMod val="50000"/>
-                              </a:schemeClr>
-                            </a:solidFill>
-                            <a:effectLst/>
-                            <a:latin typeface="Cambria Math" panose="02040503050406030204" pitchFamily="18" charset="0"/>
-                            <a:cs typeface="Calibri" panose="020F0502020204030204" pitchFamily="34" charset="0"/>
-                          </a:rPr>
-                          <m:t>𝑒𝑟𝑟𝑜𝑟</m:t>
-                        </m:r>
-                        <m:r>
-                          <a:rPr lang="en-US" sz="1800" b="0" i="1" smtClean="0">
-                            <a:solidFill>
-                              <a:schemeClr val="tx2">
-                                <a:lumMod val="50000"/>
-                              </a:schemeClr>
-                            </a:solidFill>
-                            <a:effectLst/>
-                            <a:latin typeface="Cambria Math" panose="02040503050406030204" pitchFamily="18" charset="0"/>
-                            <a:cs typeface="Calibri" panose="020F0502020204030204" pitchFamily="34" charset="0"/>
-                          </a:rPr>
-                          <m:t>)</m:t>
-                        </m:r>
-                      </m:e>
-                    </m:func>
-                  </m:oMath>
-                </a14:m>
-                <a:r>
-                  <a:rPr lang="en-US" sz="1800" dirty="0">
-                    <a:solidFill>
-                      <a:schemeClr val="tx2">
-                        <a:lumMod val="50000"/>
-                      </a:schemeClr>
-                    </a:solidFill>
-                    <a:effectLst/>
-                    <a:latin typeface="Cambria Math" panose="02040503050406030204" pitchFamily="18" charset="0"/>
-                    <a:ea typeface="Times New Roman" panose="02020603050405020304" pitchFamily="18" charset="0"/>
-                    <a:cs typeface="Calibri" panose="020F0502020204030204" pitchFamily="34" charset="0"/>
-                  </a:rPr>
-                  <a:t>…………………(17a)</a:t>
-                </a:r>
-                <a:r>
-                  <a:rPr lang="en-US" sz="1800" baseline="-25000" dirty="0">
-                    <a:solidFill>
-                      <a:schemeClr val="tx2">
-                        <a:lumMod val="50000"/>
-                      </a:schemeClr>
-                    </a:solidFill>
-                    <a:effectLst/>
-                    <a:latin typeface="Cambria Math" panose="02040503050406030204" pitchFamily="18" charset="0"/>
-                    <a:ea typeface="Times New Roman" panose="02020603050405020304" pitchFamily="18" charset="0"/>
-                    <a:cs typeface="Calibri" panose="020F0502020204030204" pitchFamily="34" charset="0"/>
-                  </a:rPr>
-                  <a:t>  </a:t>
-                </a:r>
-                <a:endParaRPr lang="en-US" sz="1800" dirty="0">
-                  <a:solidFill>
-                    <a:schemeClr val="tx2">
-                      <a:lumMod val="50000"/>
-                    </a:schemeClr>
-                  </a:solidFill>
-                  <a:latin typeface="Cambria Math" panose="02040503050406030204" pitchFamily="18" charset="0"/>
-                  <a:ea typeface="Times New Roman" panose="02020603050405020304" pitchFamily="18" charset="0"/>
-                  <a:cs typeface="Calibri" panose="020F0502020204030204" pitchFamily="34" charset="0"/>
-                </a:endParaRPr>
-              </a:p>
-              <a:p>
-                <a:r>
-                  <a:rPr lang="en-US" sz="1800" dirty="0">
-                    <a:solidFill>
-                      <a:schemeClr val="tx2">
-                        <a:lumMod val="50000"/>
-                      </a:schemeClr>
-                    </a:solidFill>
-                    <a:latin typeface="Cambria Math" panose="02040503050406030204" pitchFamily="18" charset="0"/>
-                    <a:ea typeface="Times New Roman" panose="02020603050405020304" pitchFamily="18" charset="0"/>
-                    <a:cs typeface="Calibri" panose="020F0502020204030204" pitchFamily="34" charset="0"/>
-                  </a:rPr>
-                  <a:t>Subject to : </a:t>
-                </a:r>
-                <a14:m>
-                  <m:oMath xmlns:m="http://schemas.openxmlformats.org/officeDocument/2006/math">
-                    <m:r>
-                      <a:rPr lang="en-US" sz="1800" b="0" i="1" smtClean="0">
-                        <a:solidFill>
-                          <a:schemeClr val="tx2">
-                            <a:lumMod val="50000"/>
-                          </a:schemeClr>
-                        </a:solidFill>
-                        <a:latin typeface="Cambria Math" panose="02040503050406030204" pitchFamily="18" charset="0"/>
-                        <a:ea typeface="Times New Roman" panose="02020603050405020304" pitchFamily="18" charset="0"/>
-                        <a:cs typeface="Calibri" panose="020F0502020204030204" pitchFamily="34" charset="0"/>
-                      </a:rPr>
-                      <m:t>𝑟</m:t>
-                    </m:r>
-                    <m:r>
-                      <a:rPr lang="en-US" sz="1800" b="0" i="1" baseline="-25000" smtClean="0">
-                        <a:solidFill>
-                          <a:schemeClr val="tx2">
-                            <a:lumMod val="50000"/>
-                          </a:schemeClr>
-                        </a:solidFill>
-                        <a:latin typeface="Cambria Math" panose="02040503050406030204" pitchFamily="18" charset="0"/>
-                        <a:ea typeface="Times New Roman" panose="02020603050405020304" pitchFamily="18" charset="0"/>
-                        <a:cs typeface="Calibri" panose="020F0502020204030204" pitchFamily="34" charset="0"/>
-                      </a:rPr>
-                      <m:t>𝑃</m:t>
-                    </m:r>
-                    <m:r>
-                      <a:rPr lang="en-US" sz="1800" b="0" i="1" smtClean="0">
-                        <a:solidFill>
-                          <a:schemeClr val="tx2">
-                            <a:lumMod val="50000"/>
-                          </a:schemeClr>
-                        </a:solidFill>
-                        <a:latin typeface="Cambria Math" panose="02040503050406030204" pitchFamily="18" charset="0"/>
-                        <a:ea typeface="Times New Roman" panose="02020603050405020304" pitchFamily="18" charset="0"/>
-                        <a:cs typeface="Calibri" panose="020F0502020204030204" pitchFamily="34" charset="0"/>
-                      </a:rPr>
-                      <m:t>≤ </m:t>
-                    </m:r>
-                    <m:acc>
-                      <m:accPr>
-                        <m:chr m:val="̅"/>
-                        <m:ctrlPr>
-                          <a:rPr lang="en-US" sz="1800" b="0" i="1" smtClean="0">
-                            <a:solidFill>
-                              <a:schemeClr val="tx2">
-                                <a:lumMod val="50000"/>
-                              </a:schemeClr>
-                            </a:solidFill>
-                            <a:latin typeface="Cambria Math" panose="02040503050406030204" pitchFamily="18" charset="0"/>
-                            <a:cs typeface="Calibri" panose="020F0502020204030204" pitchFamily="34" charset="0"/>
-                          </a:rPr>
-                        </m:ctrlPr>
-                      </m:accPr>
-                      <m:e>
-                        <m:r>
-                          <a:rPr lang="en-US" sz="1800" b="0" i="1" smtClean="0">
-                            <a:solidFill>
-                              <a:schemeClr val="tx2">
-                                <a:lumMod val="50000"/>
-                              </a:schemeClr>
-                            </a:solidFill>
-                            <a:latin typeface="Cambria Math" panose="02040503050406030204" pitchFamily="18" charset="0"/>
-                            <a:cs typeface="Calibri" panose="020F0502020204030204" pitchFamily="34" charset="0"/>
-                          </a:rPr>
-                          <m:t>𝑟</m:t>
-                        </m:r>
-                      </m:e>
-                    </m:acc>
-                    <m:r>
-                      <a:rPr lang="en-US" sz="1800" b="0" i="1" baseline="-25000" smtClean="0">
-                        <a:solidFill>
-                          <a:schemeClr val="tx2">
-                            <a:lumMod val="50000"/>
-                          </a:schemeClr>
-                        </a:solidFill>
-                        <a:latin typeface="Cambria Math" panose="02040503050406030204" pitchFamily="18" charset="0"/>
-                        <a:cs typeface="Calibri" panose="020F0502020204030204" pitchFamily="34" charset="0"/>
-                      </a:rPr>
-                      <m:t>𝑃</m:t>
-                    </m:r>
-                    <m:r>
-                      <a:rPr lang="en-US" sz="1800" b="0" i="1" baseline="-25000" smtClean="0">
-                        <a:solidFill>
-                          <a:schemeClr val="tx2">
-                            <a:lumMod val="50000"/>
-                          </a:schemeClr>
-                        </a:solidFill>
-                        <a:latin typeface="Cambria Math" panose="02040503050406030204" pitchFamily="18" charset="0"/>
-                        <a:cs typeface="Calibri" panose="020F0502020204030204" pitchFamily="34" charset="0"/>
-                      </a:rPr>
-                      <m:t>,</m:t>
-                    </m:r>
-                    <m:r>
-                      <a:rPr lang="en-US" sz="1800" b="0" i="1" baseline="-25000" smtClean="0">
-                        <a:solidFill>
-                          <a:schemeClr val="tx2">
-                            <a:lumMod val="50000"/>
-                          </a:schemeClr>
-                        </a:solidFill>
-                        <a:latin typeface="Cambria Math" panose="02040503050406030204" pitchFamily="18" charset="0"/>
-                        <a:cs typeface="Calibri" panose="020F0502020204030204" pitchFamily="34" charset="0"/>
-                      </a:rPr>
-                      <m:t>𝑅</m:t>
-                    </m:r>
-                  </m:oMath>
-                </a14:m>
-                <a:r>
-                  <a:rPr lang="en-US" sz="1800" dirty="0">
-                    <a:solidFill>
-                      <a:schemeClr val="tx2">
-                        <a:lumMod val="50000"/>
-                      </a:schemeClr>
-                    </a:solidFill>
-                    <a:latin typeface="Cambria Math" panose="02040503050406030204" pitchFamily="18" charset="0"/>
-                    <a:ea typeface="Times New Roman" panose="02020603050405020304" pitchFamily="18" charset="0"/>
-                    <a:cs typeface="Calibri" panose="020F0502020204030204" pitchFamily="34" charset="0"/>
-                  </a:rPr>
-                  <a:t> …………………(17b)</a:t>
-                </a:r>
-                <a:r>
-                  <a:rPr lang="en-US" sz="1800" baseline="-25000" dirty="0">
-                    <a:solidFill>
-                      <a:schemeClr val="tx2">
-                        <a:lumMod val="50000"/>
-                      </a:schemeClr>
-                    </a:solidFill>
-                    <a:latin typeface="Cambria Math" panose="02040503050406030204" pitchFamily="18" charset="0"/>
-                    <a:ea typeface="Times New Roman" panose="02020603050405020304" pitchFamily="18" charset="0"/>
-                    <a:cs typeface="Calibri" panose="020F0502020204030204" pitchFamily="34" charset="0"/>
-                  </a:rPr>
-                  <a:t> </a:t>
-                </a:r>
-                <a:endParaRPr lang="en-US" sz="1800" dirty="0">
-                  <a:solidFill>
-                    <a:schemeClr val="tx2">
-                      <a:lumMod val="50000"/>
-                    </a:schemeClr>
-                  </a:solidFill>
-                  <a:effectLst/>
-                  <a:latin typeface="Cambria Math" panose="02040503050406030204" pitchFamily="18" charset="0"/>
-                  <a:ea typeface="Times New Roman" panose="02020603050405020304" pitchFamily="18" charset="0"/>
-                  <a:cs typeface="Calibri" panose="020F0502020204030204" pitchFamily="34" charset="0"/>
-                </a:endParaRPr>
-              </a:p>
-              <a:p>
-                <a:r>
-                  <a:rPr lang="en-US" sz="1800" dirty="0">
-                    <a:solidFill>
-                      <a:schemeClr val="tx2">
-                        <a:lumMod val="50000"/>
-                      </a:schemeClr>
-                    </a:solidFill>
-                    <a:latin typeface="Cambria Math" panose="02040503050406030204" pitchFamily="18" charset="0"/>
-                    <a:ea typeface="Times New Roman" panose="02020603050405020304" pitchFamily="18" charset="0"/>
-                    <a:cs typeface="Calibri" panose="020F0502020204030204" pitchFamily="34" charset="0"/>
-                  </a:rPr>
-                  <a:t> </a:t>
-                </a:r>
-                <a14:m>
-                  <m:oMath xmlns:m="http://schemas.openxmlformats.org/officeDocument/2006/math">
-                    <m:r>
-                      <a:rPr lang="en-US" sz="1800" b="0" i="0" smtClean="0">
-                        <a:solidFill>
-                          <a:schemeClr val="tx2">
-                            <a:lumMod val="50000"/>
-                          </a:schemeClr>
-                        </a:solidFill>
-                        <a:latin typeface="Cambria Math" panose="02040503050406030204" pitchFamily="18" charset="0"/>
-                        <a:ea typeface="Times New Roman" panose="02020603050405020304" pitchFamily="18" charset="0"/>
-                        <a:cs typeface="Calibri" panose="020F0502020204030204" pitchFamily="34" charset="0"/>
-                      </a:rPr>
-                      <m:t>                     </m:t>
-                    </m:r>
-                    <m:r>
-                      <a:rPr lang="en-US" sz="1800" b="0" i="1" smtClean="0">
-                        <a:solidFill>
-                          <a:schemeClr val="tx2">
-                            <a:lumMod val="50000"/>
-                          </a:schemeClr>
-                        </a:solidFill>
-                        <a:latin typeface="Cambria Math" panose="02040503050406030204" pitchFamily="18" charset="0"/>
-                        <a:ea typeface="Times New Roman" panose="02020603050405020304" pitchFamily="18" charset="0"/>
-                        <a:cs typeface="Calibri" panose="020F0502020204030204" pitchFamily="34" charset="0"/>
-                      </a:rPr>
-                      <m:t>𝑟</m:t>
-                    </m:r>
-                    <m:r>
-                      <a:rPr lang="en-US" sz="1800" b="0" i="1" baseline="-25000" smtClean="0">
-                        <a:solidFill>
-                          <a:schemeClr val="tx2">
-                            <a:lumMod val="50000"/>
-                          </a:schemeClr>
-                        </a:solidFill>
-                        <a:latin typeface="Cambria Math" panose="02040503050406030204" pitchFamily="18" charset="0"/>
-                        <a:ea typeface="Times New Roman" panose="02020603050405020304" pitchFamily="18" charset="0"/>
-                        <a:cs typeface="Calibri" panose="020F0502020204030204" pitchFamily="34" charset="0"/>
-                      </a:rPr>
-                      <m:t>𝑃</m:t>
-                    </m:r>
-                    <m:r>
-                      <a:rPr lang="en-US" sz="1800" b="0" i="1" smtClean="0">
-                        <a:solidFill>
-                          <a:schemeClr val="tx2">
-                            <a:lumMod val="50000"/>
-                          </a:schemeClr>
-                        </a:solidFill>
-                        <a:latin typeface="Cambria Math" panose="02040503050406030204" pitchFamily="18" charset="0"/>
-                        <a:ea typeface="Times New Roman" panose="02020603050405020304" pitchFamily="18" charset="0"/>
-                        <a:cs typeface="Calibri" panose="020F0502020204030204" pitchFamily="34" charset="0"/>
-                      </a:rPr>
-                      <m:t>≤ </m:t>
-                    </m:r>
-                    <m:acc>
-                      <m:accPr>
-                        <m:chr m:val="̅"/>
-                        <m:ctrlPr>
-                          <a:rPr lang="en-US" sz="1800" b="0" i="1" smtClean="0">
-                            <a:solidFill>
-                              <a:schemeClr val="tx2">
-                                <a:lumMod val="50000"/>
-                              </a:schemeClr>
-                            </a:solidFill>
-                            <a:latin typeface="Cambria Math" panose="02040503050406030204" pitchFamily="18" charset="0"/>
-                            <a:cs typeface="Calibri" panose="020F0502020204030204" pitchFamily="34" charset="0"/>
-                          </a:rPr>
-                        </m:ctrlPr>
-                      </m:accPr>
-                      <m:e>
-                        <m:r>
-                          <a:rPr lang="en-US" sz="1800" b="0" i="1" smtClean="0">
-                            <a:solidFill>
-                              <a:schemeClr val="tx2">
-                                <a:lumMod val="50000"/>
-                              </a:schemeClr>
-                            </a:solidFill>
-                            <a:latin typeface="Cambria Math" panose="02040503050406030204" pitchFamily="18" charset="0"/>
-                            <a:cs typeface="Calibri" panose="020F0502020204030204" pitchFamily="34" charset="0"/>
-                          </a:rPr>
-                          <m:t>𝑟</m:t>
-                        </m:r>
-                      </m:e>
-                    </m:acc>
-                    <m:r>
-                      <a:rPr lang="en-US" sz="1800" b="0" i="1" baseline="-25000" smtClean="0">
-                        <a:solidFill>
-                          <a:schemeClr val="tx2">
-                            <a:lumMod val="50000"/>
-                          </a:schemeClr>
-                        </a:solidFill>
-                        <a:latin typeface="Cambria Math" panose="02040503050406030204" pitchFamily="18" charset="0"/>
-                        <a:cs typeface="Calibri" panose="020F0502020204030204" pitchFamily="34" charset="0"/>
-                      </a:rPr>
-                      <m:t>𝑃</m:t>
-                    </m:r>
-                    <m:r>
-                      <a:rPr lang="en-US" sz="1800" b="0" i="1" baseline="-25000" smtClean="0">
-                        <a:solidFill>
-                          <a:schemeClr val="tx2">
-                            <a:lumMod val="50000"/>
-                          </a:schemeClr>
-                        </a:solidFill>
-                        <a:latin typeface="Cambria Math" panose="02040503050406030204" pitchFamily="18" charset="0"/>
-                        <a:cs typeface="Calibri" panose="020F0502020204030204" pitchFamily="34" charset="0"/>
-                      </a:rPr>
-                      <m:t>,</m:t>
-                    </m:r>
-                    <m:r>
-                      <a:rPr lang="en-US" sz="1800" b="0" i="1" baseline="-25000" smtClean="0">
-                        <a:solidFill>
-                          <a:schemeClr val="tx2">
-                            <a:lumMod val="50000"/>
-                          </a:schemeClr>
-                        </a:solidFill>
-                        <a:latin typeface="Cambria Math" panose="02040503050406030204" pitchFamily="18" charset="0"/>
-                        <a:cs typeface="Calibri" panose="020F0502020204030204" pitchFamily="34" charset="0"/>
-                      </a:rPr>
-                      <m:t>𝐷</m:t>
-                    </m:r>
-                  </m:oMath>
-                </a14:m>
-                <a:r>
-                  <a:rPr lang="en-US" sz="1800" dirty="0">
-                    <a:solidFill>
-                      <a:schemeClr val="tx2">
-                        <a:lumMod val="50000"/>
-                      </a:schemeClr>
-                    </a:solidFill>
-                    <a:latin typeface="Cambria Math" panose="02040503050406030204" pitchFamily="18" charset="0"/>
-                    <a:ea typeface="Times New Roman" panose="02020603050405020304" pitchFamily="18" charset="0"/>
-                    <a:cs typeface="Calibri" panose="020F0502020204030204" pitchFamily="34" charset="0"/>
-                  </a:rPr>
-                  <a:t> …………………(17c)</a:t>
-                </a:r>
-                <a:r>
-                  <a:rPr lang="en-US" sz="1800" baseline="-25000" dirty="0">
-                    <a:solidFill>
-                      <a:schemeClr val="tx2">
-                        <a:lumMod val="50000"/>
-                      </a:schemeClr>
-                    </a:solidFill>
-                    <a:latin typeface="Cambria Math" panose="02040503050406030204" pitchFamily="18" charset="0"/>
-                    <a:ea typeface="Times New Roman" panose="02020603050405020304" pitchFamily="18" charset="0"/>
-                    <a:cs typeface="Calibri" panose="020F0502020204030204" pitchFamily="34" charset="0"/>
-                  </a:rPr>
-                  <a:t> </a:t>
-                </a:r>
-                <a:endParaRPr lang="en-US" sz="1800" dirty="0">
-                  <a:solidFill>
-                    <a:schemeClr val="tx2">
-                      <a:lumMod val="50000"/>
-                    </a:schemeClr>
-                  </a:solidFill>
-                  <a:effectLst/>
-                  <a:latin typeface="Cambria Math" panose="02040503050406030204" pitchFamily="18" charset="0"/>
-                  <a:ea typeface="Times New Roman" panose="02020603050405020304" pitchFamily="18" charset="0"/>
-                  <a:cs typeface="Calibri" panose="020F0502020204030204" pitchFamily="34" charset="0"/>
-                </a:endParaRPr>
-              </a:p>
-              <a:p>
-                <a:r>
-                  <a:rPr lang="en-US" sz="1800" dirty="0">
-                    <a:solidFill>
-                      <a:schemeClr val="tx2">
-                        <a:lumMod val="50000"/>
-                      </a:schemeClr>
-                    </a:solidFill>
-                    <a:latin typeface="Cambria Math" panose="02040503050406030204" pitchFamily="18" charset="0"/>
-                    <a:ea typeface="Times New Roman" panose="02020603050405020304" pitchFamily="18" charset="0"/>
-                    <a:cs typeface="Calibri" panose="020F0502020204030204" pitchFamily="34" charset="0"/>
-                  </a:rPr>
-                  <a:t> </a:t>
-                </a:r>
-                <a14:m>
-                  <m:oMath xmlns:m="http://schemas.openxmlformats.org/officeDocument/2006/math">
-                    <m:r>
-                      <a:rPr lang="en-US" sz="1800" b="0" i="0" smtClean="0">
-                        <a:solidFill>
-                          <a:schemeClr val="tx2">
-                            <a:lumMod val="50000"/>
-                          </a:schemeClr>
-                        </a:solidFill>
-                        <a:latin typeface="Cambria Math" panose="02040503050406030204" pitchFamily="18" charset="0"/>
-                        <a:ea typeface="Times New Roman" panose="02020603050405020304" pitchFamily="18" charset="0"/>
-                        <a:cs typeface="Calibri" panose="020F0502020204030204" pitchFamily="34" charset="0"/>
-                      </a:rPr>
-                      <m:t>                    </m:t>
-                    </m:r>
-                    <m:r>
-                      <a:rPr lang="en-US" sz="1800" b="0" i="1" smtClean="0">
-                        <a:solidFill>
-                          <a:schemeClr val="tx2">
-                            <a:lumMod val="50000"/>
-                          </a:schemeClr>
-                        </a:solidFill>
-                        <a:latin typeface="Cambria Math" panose="02040503050406030204" pitchFamily="18" charset="0"/>
-                        <a:ea typeface="Times New Roman" panose="02020603050405020304" pitchFamily="18" charset="0"/>
-                        <a:cs typeface="Calibri" panose="020F0502020204030204" pitchFamily="34" charset="0"/>
-                      </a:rPr>
-                      <m:t>𝑟</m:t>
-                    </m:r>
-                    <m:r>
-                      <a:rPr lang="en-US" sz="1800" b="0" i="1" baseline="-25000" smtClean="0">
-                        <a:solidFill>
-                          <a:schemeClr val="tx2">
-                            <a:lumMod val="50000"/>
-                          </a:schemeClr>
-                        </a:solidFill>
-                        <a:latin typeface="Cambria Math" panose="02040503050406030204" pitchFamily="18" charset="0"/>
-                        <a:ea typeface="Times New Roman" panose="02020603050405020304" pitchFamily="18" charset="0"/>
-                        <a:cs typeface="Calibri" panose="020F0502020204030204" pitchFamily="34" charset="0"/>
-                      </a:rPr>
-                      <m:t>𝑃</m:t>
-                    </m:r>
-                    <m:r>
-                      <a:rPr lang="en-US" sz="1800" b="0" i="1" smtClean="0">
-                        <a:solidFill>
-                          <a:schemeClr val="tx2">
-                            <a:lumMod val="50000"/>
-                          </a:schemeClr>
-                        </a:solidFill>
-                        <a:latin typeface="Cambria Math" panose="02040503050406030204" pitchFamily="18" charset="0"/>
-                        <a:ea typeface="Times New Roman" panose="02020603050405020304" pitchFamily="18" charset="0"/>
-                        <a:cs typeface="Calibri" panose="020F0502020204030204" pitchFamily="34" charset="0"/>
-                      </a:rPr>
-                      <m:t>≤ </m:t>
-                    </m:r>
-                    <m:acc>
-                      <m:accPr>
-                        <m:chr m:val="̅"/>
-                        <m:ctrlPr>
-                          <a:rPr lang="en-US" sz="1800" b="0" i="1" smtClean="0">
-                            <a:solidFill>
-                              <a:schemeClr val="tx2">
-                                <a:lumMod val="50000"/>
-                              </a:schemeClr>
-                            </a:solidFill>
-                            <a:latin typeface="Cambria Math" panose="02040503050406030204" pitchFamily="18" charset="0"/>
-                            <a:cs typeface="Calibri" panose="020F0502020204030204" pitchFamily="34" charset="0"/>
-                          </a:rPr>
-                        </m:ctrlPr>
-                      </m:accPr>
-                      <m:e>
-                        <m:r>
-                          <a:rPr lang="en-US" sz="1800" b="0" i="1" smtClean="0">
-                            <a:solidFill>
-                              <a:schemeClr val="tx2">
-                                <a:lumMod val="50000"/>
-                              </a:schemeClr>
-                            </a:solidFill>
-                            <a:latin typeface="Cambria Math" panose="02040503050406030204" pitchFamily="18" charset="0"/>
-                            <a:cs typeface="Calibri" panose="020F0502020204030204" pitchFamily="34" charset="0"/>
-                          </a:rPr>
-                          <m:t>𝑟</m:t>
-                        </m:r>
-                      </m:e>
-                    </m:acc>
-                    <m:r>
-                      <m:rPr>
-                        <m:sty m:val="p"/>
-                      </m:rPr>
-                      <a:rPr lang="en-US" sz="1800" b="0" i="0" baseline="-25000" smtClean="0">
-                        <a:solidFill>
-                          <a:schemeClr val="tx2">
-                            <a:lumMod val="50000"/>
-                          </a:schemeClr>
-                        </a:solidFill>
-                        <a:latin typeface="Cambria Math" panose="02040503050406030204" pitchFamily="18" charset="0"/>
-                        <a:cs typeface="Calibri" panose="020F0502020204030204" pitchFamily="34" charset="0"/>
-                      </a:rPr>
-                      <m:t>P</m:t>
-                    </m:r>
-                  </m:oMath>
-                </a14:m>
-                <a:r>
-                  <a:rPr lang="en-US" sz="1800" dirty="0">
-                    <a:solidFill>
-                      <a:schemeClr val="tx2">
-                        <a:lumMod val="50000"/>
-                      </a:schemeClr>
-                    </a:solidFill>
-                    <a:latin typeface="Cambria Math" panose="02040503050406030204" pitchFamily="18" charset="0"/>
-                    <a:ea typeface="Times New Roman" panose="02020603050405020304" pitchFamily="18" charset="0"/>
-                    <a:cs typeface="Calibri" panose="020F0502020204030204" pitchFamily="34" charset="0"/>
-                  </a:rPr>
-                  <a:t> …………………(17d)</a:t>
-                </a:r>
-                <a:r>
-                  <a:rPr lang="en-US" sz="1800" baseline="-25000" dirty="0">
-                    <a:solidFill>
-                      <a:schemeClr val="tx2">
-                        <a:lumMod val="50000"/>
-                      </a:schemeClr>
-                    </a:solidFill>
-                    <a:latin typeface="Cambria Math" panose="02040503050406030204" pitchFamily="18" charset="0"/>
-                    <a:ea typeface="Times New Roman" panose="02020603050405020304" pitchFamily="18" charset="0"/>
-                    <a:cs typeface="Calibri" panose="020F0502020204030204" pitchFamily="34" charset="0"/>
-                  </a:rPr>
-                  <a:t> </a:t>
-                </a:r>
-              </a:p>
-              <a:p>
-                <a:r>
-                  <a:rPr lang="en-US" dirty="0">
-                    <a:solidFill>
-                      <a:schemeClr val="tx2">
-                        <a:lumMod val="50000"/>
-                      </a:schemeClr>
-                    </a:solidFill>
-                    <a:effectLst/>
-                    <a:latin typeface="Cambria Math" panose="02040503050406030204" pitchFamily="18" charset="0"/>
-                    <a:ea typeface="Times New Roman" panose="02020603050405020304" pitchFamily="18" charset="0"/>
-                    <a:cs typeface="Calibri" panose="020F0502020204030204" pitchFamily="34" charset="0"/>
-                  </a:rPr>
-                  <a:t>                           </a:t>
-                </a:r>
-                <a14:m>
-                  <m:oMath xmlns:m="http://schemas.openxmlformats.org/officeDocument/2006/math">
-                    <m:r>
-                      <a:rPr lang="en-US" b="0" i="1" smtClean="0">
-                        <a:solidFill>
-                          <a:schemeClr val="tx2">
-                            <a:lumMod val="50000"/>
-                          </a:schemeClr>
-                        </a:solidFill>
-                        <a:effectLst/>
-                        <a:latin typeface="Cambria Math" panose="02040503050406030204" pitchFamily="18" charset="0"/>
-                        <a:ea typeface="Times New Roman" panose="02020603050405020304" pitchFamily="18" charset="0"/>
-                        <a:cs typeface="Calibri" panose="020F0502020204030204" pitchFamily="34" charset="0"/>
-                      </a:rPr>
-                      <m:t>𝑟</m:t>
-                    </m:r>
-                    <m:r>
-                      <a:rPr lang="en-US" b="0" i="1" baseline="-25000" smtClean="0">
-                        <a:solidFill>
-                          <a:schemeClr val="tx2">
-                            <a:lumMod val="50000"/>
-                          </a:schemeClr>
-                        </a:solidFill>
-                        <a:effectLst/>
-                        <a:latin typeface="Cambria Math" panose="02040503050406030204" pitchFamily="18" charset="0"/>
-                        <a:ea typeface="Times New Roman" panose="02020603050405020304" pitchFamily="18" charset="0"/>
-                        <a:cs typeface="Calibri" panose="020F0502020204030204" pitchFamily="34" charset="0"/>
-                      </a:rPr>
-                      <m:t>(</m:t>
-                    </m:r>
-                    <m:r>
-                      <a:rPr lang="en-US" b="0" i="1" baseline="-25000" smtClean="0">
-                        <a:solidFill>
-                          <a:schemeClr val="tx2">
-                            <a:lumMod val="50000"/>
-                          </a:schemeClr>
-                        </a:solidFill>
-                        <a:effectLst/>
-                        <a:latin typeface="Cambria Math" panose="02040503050406030204" pitchFamily="18" charset="0"/>
-                        <a:ea typeface="Times New Roman" panose="02020603050405020304" pitchFamily="18" charset="0"/>
-                        <a:cs typeface="Calibri" panose="020F0502020204030204" pitchFamily="34" charset="0"/>
-                      </a:rPr>
-                      <m:t>𝐶</m:t>
-                    </m:r>
-                    <m:r>
-                      <a:rPr lang="en-US" b="0" i="1" baseline="-25000" smtClean="0">
-                        <a:solidFill>
-                          <a:schemeClr val="tx2">
-                            <a:lumMod val="50000"/>
-                          </a:schemeClr>
-                        </a:solidFill>
-                        <a:effectLst/>
-                        <a:latin typeface="Cambria Math" panose="02040503050406030204" pitchFamily="18" charset="0"/>
-                        <a:ea typeface="Times New Roman" panose="02020603050405020304" pitchFamily="18" charset="0"/>
-                        <a:cs typeface="Calibri" panose="020F0502020204030204" pitchFamily="34" charset="0"/>
-                      </a:rPr>
-                      <m:t>,</m:t>
-                    </m:r>
-                    <m:r>
-                      <a:rPr lang="en-US" b="0" i="1" baseline="-25000" smtClean="0">
-                        <a:solidFill>
-                          <a:schemeClr val="tx2">
-                            <a:lumMod val="50000"/>
-                          </a:schemeClr>
-                        </a:solidFill>
-                        <a:effectLst/>
-                        <a:latin typeface="Cambria Math" panose="02040503050406030204" pitchFamily="18" charset="0"/>
-                        <a:ea typeface="Times New Roman" panose="02020603050405020304" pitchFamily="18" charset="0"/>
-                        <a:cs typeface="Calibri" panose="020F0502020204030204" pitchFamily="34" charset="0"/>
-                      </a:rPr>
-                      <m:t>𝑅</m:t>
-                    </m:r>
-                    <m:r>
-                      <a:rPr lang="en-US" b="0" i="1" baseline="-25000" smtClean="0">
-                        <a:solidFill>
-                          <a:schemeClr val="tx2">
-                            <a:lumMod val="50000"/>
-                          </a:schemeClr>
-                        </a:solidFill>
-                        <a:effectLst/>
-                        <a:latin typeface="Cambria Math" panose="02040503050406030204" pitchFamily="18" charset="0"/>
-                        <a:ea typeface="Times New Roman" panose="02020603050405020304" pitchFamily="18" charset="0"/>
-                        <a:cs typeface="Calibri" panose="020F0502020204030204" pitchFamily="34" charset="0"/>
-                      </a:rPr>
-                      <m:t>)≥ </m:t>
-                    </m:r>
-                    <m:acc>
-                      <m:accPr>
-                        <m:chr m:val="̅"/>
-                        <m:ctrlPr>
-                          <a:rPr lang="en-US" b="0" i="1" smtClean="0">
-                            <a:solidFill>
-                              <a:schemeClr val="tx2">
-                                <a:lumMod val="50000"/>
-                              </a:schemeClr>
-                            </a:solidFill>
-                            <a:effectLst/>
-                            <a:latin typeface="Cambria Math" panose="02040503050406030204" pitchFamily="18" charset="0"/>
-                            <a:cs typeface="Calibri" panose="020F0502020204030204" pitchFamily="34" charset="0"/>
-                          </a:rPr>
-                        </m:ctrlPr>
-                      </m:accPr>
-                      <m:e>
-                        <m:r>
-                          <a:rPr lang="en-US" b="0" i="1" smtClean="0">
-                            <a:solidFill>
-                              <a:schemeClr val="tx2">
-                                <a:lumMod val="50000"/>
-                              </a:schemeClr>
-                            </a:solidFill>
-                            <a:effectLst/>
-                            <a:latin typeface="Cambria Math" panose="02040503050406030204" pitchFamily="18" charset="0"/>
-                            <a:cs typeface="Calibri" panose="020F0502020204030204" pitchFamily="34" charset="0"/>
-                          </a:rPr>
-                          <m:t>𝑟</m:t>
-                        </m:r>
-                      </m:e>
-                    </m:acc>
-                    <m:r>
-                      <a:rPr lang="en-US" b="0" i="1" baseline="-25000" smtClean="0">
-                        <a:solidFill>
-                          <a:schemeClr val="tx2">
-                            <a:lumMod val="50000"/>
-                          </a:schemeClr>
-                        </a:solidFill>
-                        <a:effectLst/>
-                        <a:latin typeface="Cambria Math" panose="02040503050406030204" pitchFamily="18" charset="0"/>
-                        <a:cs typeface="Calibri" panose="020F0502020204030204" pitchFamily="34" charset="0"/>
-                      </a:rPr>
-                      <m:t>𝑐</m:t>
-                    </m:r>
-                  </m:oMath>
-                </a14:m>
-                <a:endParaRPr lang="en-US" sz="1800" baseline="-25000" dirty="0">
-                  <a:solidFill>
-                    <a:schemeClr val="tx2">
-                      <a:lumMod val="50000"/>
-                    </a:schemeClr>
-                  </a:solidFill>
-                  <a:effectLst/>
-                  <a:latin typeface="Cambria Math" panose="02040503050406030204" pitchFamily="18" charset="0"/>
-                  <a:ea typeface="Times New Roman" panose="02020603050405020304" pitchFamily="18" charset="0"/>
-                  <a:cs typeface="Calibri" panose="020F0502020204030204" pitchFamily="34" charset="0"/>
-                </a:endParaRPr>
-              </a:p>
-              <a:p>
-                <a:pPr marL="0" indent="0">
-                  <a:buNone/>
-                </a:pPr>
-                <a:r>
-                  <a:rPr lang="en-US" sz="1800" dirty="0"/>
-                  <a:t>                   </a:t>
-                </a:r>
-                <a14:m>
-                  <m:oMath xmlns:m="http://schemas.openxmlformats.org/officeDocument/2006/math">
-                    <m:r>
-                      <a:rPr lang="en-US" sz="1800" i="1" smtClean="0">
-                        <a:latin typeface="Cambria Math" panose="02040503050406030204" pitchFamily="18" charset="0"/>
-                      </a:rPr>
-                      <m:t>𝜁</m:t>
-                    </m:r>
-                    <m:sSup>
-                      <m:sSupPr>
-                        <m:ctrlPr>
-                          <a:rPr lang="en-US" i="1">
-                            <a:latin typeface="Cambria Math" panose="02040503050406030204" pitchFamily="18" charset="0"/>
-                          </a:rPr>
-                        </m:ctrlPr>
-                      </m:sSupPr>
-                      <m:e>
-                        <m:bar>
-                          <m:barPr>
-                            <m:pos m:val="top"/>
-                            <m:ctrlPr>
-                              <a:rPr lang="en-US" i="1">
-                                <a:latin typeface="Cambria Math" panose="02040503050406030204" pitchFamily="18" charset="0"/>
-                              </a:rPr>
-                            </m:ctrlPr>
-                          </m:barPr>
-                          <m:e>
-                            <m:r>
-                              <a:rPr lang="en-US" i="1">
-                                <a:latin typeface="Cambria Math" panose="02040503050406030204" pitchFamily="18" charset="0"/>
-                              </a:rPr>
-                              <m:t>𝜎</m:t>
-                            </m:r>
-                          </m:e>
-                        </m:bar>
-                        <m:r>
-                          <a:rPr lang="en-US" i="1" baseline="-25000">
-                            <a:latin typeface="Cambria Math" panose="02040503050406030204" pitchFamily="18" charset="0"/>
-                          </a:rPr>
-                          <m:t>𝑊</m:t>
-                        </m:r>
-                      </m:e>
-                      <m:sup>
-                        <m:r>
-                          <a:rPr lang="en-US" i="1">
-                            <a:latin typeface="Cambria Math" panose="02040503050406030204" pitchFamily="18" charset="0"/>
-                          </a:rPr>
-                          <m:t>2</m:t>
-                        </m:r>
-                      </m:sup>
-                    </m:sSup>
-                    <m:r>
-                      <a:rPr lang="en-US" sz="1800" b="0" i="1" dirty="0" smtClean="0">
-                        <a:latin typeface="Cambria Math" panose="02040503050406030204" pitchFamily="18" charset="0"/>
-                      </a:rPr>
-                      <m:t>≥</m:t>
-                    </m:r>
-                    <m:sSup>
-                      <m:sSupPr>
-                        <m:ctrlPr>
-                          <a:rPr lang="en-US" sz="1800" b="0" i="1" dirty="0" smtClean="0">
-                            <a:latin typeface="Cambria Math" panose="02040503050406030204" pitchFamily="18" charset="0"/>
-                          </a:rPr>
-                        </m:ctrlPr>
-                      </m:sSupPr>
-                      <m:e>
-                        <m:d>
-                          <m:dPr>
-                            <m:begChr m:val="|"/>
-                            <m:endChr m:val="|"/>
-                            <m:ctrlPr>
-                              <a:rPr lang="en-US" sz="1800" b="0" i="1" dirty="0" smtClean="0">
-                                <a:latin typeface="Cambria Math" panose="02040503050406030204" pitchFamily="18" charset="0"/>
-                              </a:rPr>
-                            </m:ctrlPr>
-                          </m:dPr>
-                          <m:e>
-                            <m:r>
-                              <a:rPr lang="en-US" sz="1800" b="0" i="1" dirty="0" smtClean="0">
-                                <a:latin typeface="Cambria Math" panose="02040503050406030204" pitchFamily="18" charset="0"/>
-                              </a:rPr>
-                              <m:t>h</m:t>
-                            </m:r>
-                            <m:r>
-                              <a:rPr lang="en-US" sz="1800" b="0" i="1" baseline="-25000" dirty="0" smtClean="0">
-                                <a:latin typeface="Cambria Math" panose="02040503050406030204" pitchFamily="18" charset="0"/>
-                              </a:rPr>
-                              <m:t>𝐷𝑊</m:t>
-                            </m:r>
-                          </m:e>
-                        </m:d>
-                      </m:e>
-                      <m:sup>
-                        <m:r>
-                          <a:rPr lang="en-US" sz="1800" b="0" i="1" dirty="0" smtClean="0">
-                            <a:latin typeface="Cambria Math" panose="02040503050406030204" pitchFamily="18" charset="0"/>
-                          </a:rPr>
-                          <m:t> 2</m:t>
-                        </m:r>
-                      </m:sup>
-                    </m:sSup>
-                    <m:r>
-                      <a:rPr lang="en-US" sz="1800" b="0" i="1" dirty="0" smtClean="0">
-                        <a:latin typeface="Cambria Math" panose="02040503050406030204" pitchFamily="18" charset="0"/>
-                      </a:rPr>
-                      <m:t>𝑃</m:t>
-                    </m:r>
-                    <m:r>
-                      <a:rPr lang="en-US" sz="1800" b="0" i="1" baseline="-25000" dirty="0" smtClean="0">
-                        <a:latin typeface="Cambria Math" panose="02040503050406030204" pitchFamily="18" charset="0"/>
-                      </a:rPr>
-                      <m:t>𝐷</m:t>
-                    </m:r>
-                    <m:r>
-                      <a:rPr lang="en-US" sz="1800" b="0" i="1" dirty="0" smtClean="0">
-                        <a:latin typeface="Cambria Math" panose="02040503050406030204" pitchFamily="18" charset="0"/>
-                      </a:rPr>
-                      <m:t>+</m:t>
-                    </m:r>
-                    <m:f>
-                      <m:fPr>
-                        <m:ctrlPr>
-                          <a:rPr lang="en-US" sz="1800" b="0" i="1" dirty="0" smtClean="0">
-                            <a:latin typeface="Cambria Math" panose="02040503050406030204" pitchFamily="18" charset="0"/>
-                          </a:rPr>
-                        </m:ctrlPr>
-                      </m:fPr>
-                      <m:num>
-                        <m:r>
-                          <a:rPr lang="en-US" sz="1800" b="0" i="1" dirty="0" smtClean="0">
-                            <a:latin typeface="Cambria Math" panose="02040503050406030204" pitchFamily="18" charset="0"/>
-                          </a:rPr>
-                          <m:t>1</m:t>
-                        </m:r>
-                      </m:num>
-                      <m:den>
-                        <m:r>
-                          <a:rPr lang="en-US" sz="1800" b="0" i="1" dirty="0" smtClean="0">
-                            <a:latin typeface="Cambria Math" panose="02040503050406030204" pitchFamily="18" charset="0"/>
-                          </a:rPr>
-                          <m:t>𝜁</m:t>
-                        </m:r>
-                      </m:den>
-                    </m:f>
-                    <m:sSup>
-                      <m:sSupPr>
-                        <m:ctrlPr>
-                          <a:rPr lang="en-US" i="1">
-                            <a:latin typeface="Cambria Math" panose="02040503050406030204" pitchFamily="18" charset="0"/>
-                          </a:rPr>
-                        </m:ctrlPr>
-                      </m:sSupPr>
-                      <m:e>
-                        <m:bar>
-                          <m:barPr>
-                            <m:pos m:val="top"/>
-                            <m:ctrlPr>
-                              <a:rPr lang="en-US" i="1">
-                                <a:latin typeface="Cambria Math" panose="02040503050406030204" pitchFamily="18" charset="0"/>
-                              </a:rPr>
-                            </m:ctrlPr>
-                          </m:barPr>
-                          <m:e>
-                            <m:r>
-                              <a:rPr lang="en-US" i="1">
-                                <a:latin typeface="Cambria Math" panose="02040503050406030204" pitchFamily="18" charset="0"/>
-                              </a:rPr>
-                              <m:t>𝜎</m:t>
-                            </m:r>
-                          </m:e>
-                        </m:bar>
-                        <m:r>
-                          <a:rPr lang="en-US" i="1" baseline="-25000">
-                            <a:latin typeface="Cambria Math" panose="02040503050406030204" pitchFamily="18" charset="0"/>
-                          </a:rPr>
-                          <m:t>𝑊</m:t>
-                        </m:r>
-                      </m:e>
-                      <m:sup>
-                        <m:r>
-                          <a:rPr lang="en-US" i="1">
-                            <a:latin typeface="Cambria Math" panose="02040503050406030204" pitchFamily="18" charset="0"/>
-                          </a:rPr>
-                          <m:t>2</m:t>
-                        </m:r>
-                      </m:sup>
-                    </m:sSup>
-                  </m:oMath>
-                </a14:m>
-                <a:r>
-                  <a:rPr lang="en-US" sz="1800" dirty="0"/>
-                  <a:t>,</a:t>
-                </a:r>
-              </a:p>
-              <a:p>
-                <a:r>
-                  <a:rPr lang="en-US" sz="1800" dirty="0"/>
-                  <a:t>                 </a:t>
-                </a:r>
-                <a14:m>
-                  <m:oMath xmlns:m="http://schemas.openxmlformats.org/officeDocument/2006/math">
-                    <m:r>
-                      <a:rPr lang="en-US" sz="1800" b="0" i="1" smtClean="0">
-                        <a:latin typeface="Cambria Math" panose="02040503050406030204" pitchFamily="18" charset="0"/>
-                      </a:rPr>
-                      <m:t>0≤</m:t>
-                    </m:r>
-                    <m:r>
-                      <a:rPr lang="en-US" sz="1800" b="0" i="1" smtClean="0">
-                        <a:latin typeface="Cambria Math" panose="02040503050406030204" pitchFamily="18" charset="0"/>
-                      </a:rPr>
-                      <m:t>𝑃𝐷</m:t>
-                    </m:r>
-                    <m:r>
-                      <a:rPr lang="en-US" sz="1800" b="0" i="1" smtClean="0">
-                        <a:latin typeface="Cambria Math" panose="02040503050406030204" pitchFamily="18" charset="0"/>
-                      </a:rPr>
-                      <m:t>≤ </m:t>
-                    </m:r>
-                    <m:bar>
-                      <m:barPr>
-                        <m:pos m:val="top"/>
-                        <m:ctrlPr>
-                          <a:rPr lang="en-US" sz="1800" b="0" i="1" smtClean="0">
-                            <a:latin typeface="Cambria Math" panose="02040503050406030204" pitchFamily="18" charset="0"/>
-                          </a:rPr>
-                        </m:ctrlPr>
-                      </m:barPr>
-                      <m:e>
-                        <m:r>
-                          <a:rPr lang="en-US" sz="1800" b="0" i="1" smtClean="0">
-                            <a:latin typeface="Cambria Math" panose="02040503050406030204" pitchFamily="18" charset="0"/>
-                          </a:rPr>
-                          <m:t>𝑃</m:t>
-                        </m:r>
-                      </m:e>
-                    </m:bar>
-                    <m:r>
-                      <m:rPr>
-                        <m:sty m:val="p"/>
-                      </m:rPr>
-                      <a:rPr lang="en-US" sz="1800" b="0" i="0" baseline="-25000" smtClean="0">
-                        <a:latin typeface="Cambria Math" panose="02040503050406030204" pitchFamily="18" charset="0"/>
-                      </a:rPr>
-                      <m:t>D</m:t>
-                    </m:r>
-                  </m:oMath>
-                </a14:m>
-                <a:endParaRPr lang="en-US" dirty="0"/>
-              </a:p>
-            </p:txBody>
-          </p:sp>
-        </mc:Choice>
-        <mc:Fallback xmlns="">
-          <p:sp>
-            <p:nvSpPr>
-              <p:cNvPr id="6" name="TextBox 5">
-                <a:extLst>
-                  <a:ext uri="{FF2B5EF4-FFF2-40B4-BE49-F238E27FC236}">
-                    <a16:creationId xmlns:a16="http://schemas.microsoft.com/office/drawing/2014/main" id="{8218D79F-7FD3-133A-CEE7-443CBBFB7A0B}"/>
-                  </a:ext>
-                </a:extLst>
-              </p:cNvPr>
-              <p:cNvSpPr txBox="1">
-                <a:spLocks noRot="1" noChangeAspect="1" noMove="1" noResize="1" noEditPoints="1" noAdjustHandles="1" noChangeArrowheads="1" noChangeShapeType="1" noTextEdit="1"/>
-              </p:cNvSpPr>
-              <p:nvPr/>
-            </p:nvSpPr>
-            <p:spPr>
-              <a:xfrm>
-                <a:off x="3649580" y="2149371"/>
-                <a:ext cx="6096000" cy="2430922"/>
-              </a:xfrm>
-              <a:prstGeom prst="rect">
-                <a:avLst/>
-              </a:prstGeom>
-              <a:blipFill>
-                <a:blip r:embed="rId2"/>
-                <a:stretch>
-                  <a:fillRect l="-900" t="-1759"/>
-                </a:stretch>
-              </a:blipFill>
-            </p:spPr>
-            <p:txBody>
-              <a:bodyPr/>
-              <a:lstStyle/>
-              <a:p>
-                <a:r>
-                  <a:rPr lang="en-US">
-                    <a:noFill/>
-                  </a:rPr>
-                  <a:t> </a:t>
-                </a:r>
-              </a:p>
-            </p:txBody>
-          </p:sp>
-        </mc:Fallback>
-      </mc:AlternateContent>
-    </p:spTree>
-    <p:extLst>
-      <p:ext uri="{BB962C8B-B14F-4D97-AF65-F5344CB8AC3E}">
-        <p14:creationId xmlns:p14="http://schemas.microsoft.com/office/powerpoint/2010/main" val="2706040313"/>
-      </p:ext>
-    </p:extLst>
-  </p:cSld>
-  <p:clrMapOvr>
-    <a:masterClrMapping/>
-  </p:clrMapOvr>
-</p:sld>
-</file>
-
-<file path=ppt/slides/slide32.xml><?xml version="1.0" encoding="utf-8"?>
-<p:sld xmlns:a="http://schemas.openxmlformats.org/drawingml/2006/main" xmlns:r="http://schemas.openxmlformats.org/officeDocument/2006/relationships" xmlns:p="http://schemas.openxmlformats.org/presentationml/2006/main">
-  <p:cSld>
-    <p:spTree>
-      <p:nvGrpSpPr>
-        <p:cNvPr id="1" name=""/>
-        <p:cNvGrpSpPr/>
-        <p:nvPr/>
-      </p:nvGrpSpPr>
-      <p:grpSpPr>
-        <a:xfrm>
-          <a:off x="0" y="0"/>
-          <a:ext cx="0" cy="0"/>
-          <a:chOff x="0" y="0"/>
-          <a:chExt cx="0" cy="0"/>
-        </a:xfrm>
-      </p:grpSpPr>
-      <p:sp>
-        <p:nvSpPr>
-          <p:cNvPr id="2" name="Title 1">
-            <a:extLst>
-              <a:ext uri="{FF2B5EF4-FFF2-40B4-BE49-F238E27FC236}">
                 <a16:creationId xmlns:a16="http://schemas.microsoft.com/office/drawing/2014/main" id="{1F831E28-F295-BDC4-824C-E1F6819CC1C7}"/>
               </a:ext>
             </a:extLst>
@@ -33535,7 +32139,7 @@
             <a:fld id="{A439D109-9F59-4B0B-8E20-D6D3A384B1F1}" type="slidenum">
               <a:rPr lang="ko-KR" altLang="en-US" smtClean="0"/>
               <a:pPr/>
-              <a:t>32</a:t>
+              <a:t>31</a:t>
             </a:fld>
             <a:endParaRPr lang="ko-KR" altLang="en-US"/>
           </a:p>
@@ -33554,7 +32158,7 @@
 </p:sld>
 </file>
 
-<file path=ppt/slides/slide33.xml><?xml version="1.0" encoding="utf-8"?>
+<file path=ppt/slides/slide32.xml><?xml version="1.0" encoding="utf-8"?>
 <p:sld xmlns:a="http://schemas.openxmlformats.org/drawingml/2006/main" xmlns:r="http://schemas.openxmlformats.org/officeDocument/2006/relationships" xmlns:p="http://schemas.openxmlformats.org/presentationml/2006/main">
   <p:cSld>
     <p:spTree>
@@ -33672,7 +32276,7 @@
           <a:p>
             <a:fld id="{A439D109-9F59-4B0B-8E20-D6D3A384B1F1}" type="slidenum">
               <a:rPr lang="ko-KR" altLang="en-US" smtClean="0"/>
-              <a:t>33</a:t>
+              <a:t>32</a:t>
             </a:fld>
             <a:endParaRPr lang="ko-KR" altLang="en-US"/>
           </a:p>
@@ -35319,7 +33923,7 @@
 </p:sld>
 </file>
 
-<file path=ppt/slides/slide34.xml><?xml version="1.0" encoding="utf-8"?>
+<file path=ppt/slides/slide33.xml><?xml version="1.0" encoding="utf-8"?>
 <p:sld xmlns:a="http://schemas.openxmlformats.org/drawingml/2006/main" xmlns:r="http://schemas.openxmlformats.org/officeDocument/2006/relationships" xmlns:p="http://schemas.openxmlformats.org/presentationml/2006/main">
   <p:cSld>
     <p:spTree>
@@ -35437,6 +34041,216 @@
           <a:p>
             <a:fld id="{A439D109-9F59-4B0B-8E20-D6D3A384B1F1}" type="slidenum">
               <a:rPr lang="ko-KR" altLang="en-US" smtClean="0"/>
+              <a:t>33</a:t>
+            </a:fld>
+            <a:endParaRPr lang="ko-KR" altLang="en-US"/>
+          </a:p>
+        </p:txBody>
+      </p:sp>
+    </p:spTree>
+    <p:extLst>
+      <p:ext uri="{BB962C8B-B14F-4D97-AF65-F5344CB8AC3E}">
+        <p14:creationId xmlns:p14="http://schemas.microsoft.com/office/powerpoint/2010/main" val="4154609333"/>
+      </p:ext>
+    </p:extLst>
+  </p:cSld>
+  <p:clrMapOvr>
+    <a:masterClrMapping/>
+  </p:clrMapOvr>
+</p:sld>
+</file>
+
+<file path=ppt/slides/slide34.xml><?xml version="1.0" encoding="utf-8"?>
+<p:sld xmlns:a="http://schemas.openxmlformats.org/drawingml/2006/main" xmlns:r="http://schemas.openxmlformats.org/officeDocument/2006/relationships" xmlns:p="http://schemas.openxmlformats.org/presentationml/2006/main">
+  <p:cSld>
+    <p:spTree>
+      <p:nvGrpSpPr>
+        <p:cNvPr id="1" name=""/>
+        <p:cNvGrpSpPr/>
+        <p:nvPr/>
+      </p:nvGrpSpPr>
+      <p:grpSpPr>
+        <a:xfrm>
+          <a:off x="0" y="0"/>
+          <a:ext cx="0" cy="0"/>
+          <a:chOff x="0" y="0"/>
+          <a:chExt cx="0" cy="0"/>
+        </a:xfrm>
+      </p:grpSpPr>
+      <p:sp>
+        <p:nvSpPr>
+          <p:cNvPr id="2" name="제목 1">
+            <a:extLst>
+              <a:ext uri="{FF2B5EF4-FFF2-40B4-BE49-F238E27FC236}">
+                <a16:creationId xmlns:a16="http://schemas.microsoft.com/office/drawing/2014/main" id="{C8B94C0B-6595-35CC-60A6-1C49FC9B3AF4}"/>
+              </a:ext>
+            </a:extLst>
+          </p:cNvPr>
+          <p:cNvSpPr>
+            <a:spLocks noGrp="1"/>
+          </p:cNvSpPr>
+          <p:nvPr>
+            <p:ph type="title"/>
+          </p:nvPr>
+        </p:nvSpPr>
+        <p:spPr/>
+        <p:txBody>
+          <a:bodyPr/>
+          <a:lstStyle/>
+          <a:p>
+            <a:r>
+              <a:rPr lang="en-US" altLang="ko-KR" dirty="0"/>
+              <a:t>5. Numerical results</a:t>
+            </a:r>
+            <a:endParaRPr lang="ko-KR" altLang="en-US" dirty="0"/>
+          </a:p>
+        </p:txBody>
+      </p:sp>
+      <mc:AlternateContent xmlns:mc="http://schemas.openxmlformats.org/markup-compatibility/2006" xmlns:a14="http://schemas.microsoft.com/office/drawing/2010/main">
+        <mc:Choice Requires="a14">
+          <p:sp>
+            <p:nvSpPr>
+              <p:cNvPr id="3" name="내용 개체 틀 2">
+                <a:extLst>
+                  <a:ext uri="{FF2B5EF4-FFF2-40B4-BE49-F238E27FC236}">
+                    <a16:creationId xmlns:a16="http://schemas.microsoft.com/office/drawing/2014/main" id="{76A90E4D-BDA4-8A88-0506-83C4960B4A5C}"/>
+                  </a:ext>
+                </a:extLst>
+              </p:cNvPr>
+              <p:cNvSpPr>
+                <a:spLocks noGrp="1"/>
+              </p:cNvSpPr>
+              <p:nvPr>
+                <p:ph idx="1"/>
+              </p:nvPr>
+            </p:nvSpPr>
+            <p:spPr/>
+            <p:txBody>
+              <a:bodyPr/>
+              <a:lstStyle/>
+              <a:p>
+                <a:r>
+                  <a:rPr lang="en-US" altLang="ko-KR" b="1" dirty="0"/>
+                  <a:t>DEP vs. Source transmit power, </a:t>
+                </a:r>
+                <a14:m>
+                  <m:oMath xmlns:m="http://schemas.openxmlformats.org/officeDocument/2006/math">
+                    <m:sSub>
+                      <m:sSubPr>
+                        <m:ctrlPr>
+                          <a:rPr lang="en-US" altLang="ko-KR" b="1" i="1" smtClean="0">
+                            <a:latin typeface="Cambria Math" panose="02040503050406030204" pitchFamily="18" charset="0"/>
+                          </a:rPr>
+                        </m:ctrlPr>
+                      </m:sSubPr>
+                      <m:e>
+                        <m:r>
+                          <a:rPr lang="en-US" altLang="ko-KR" b="1" i="1" smtClean="0">
+                            <a:latin typeface="Cambria Math" panose="02040503050406030204" pitchFamily="18" charset="0"/>
+                          </a:rPr>
+                          <m:t>𝑷</m:t>
+                        </m:r>
+                      </m:e>
+                      <m:sub>
+                        <m:r>
+                          <a:rPr lang="en-US" altLang="ko-KR" b="1" i="1" smtClean="0">
+                            <a:latin typeface="Cambria Math" panose="02040503050406030204" pitchFamily="18" charset="0"/>
+                          </a:rPr>
+                          <m:t>𝑺</m:t>
+                        </m:r>
+                      </m:sub>
+                    </m:sSub>
+                  </m:oMath>
+                </a14:m>
+                <a:endParaRPr lang="en-US" altLang="ko-KR" b="1" dirty="0"/>
+              </a:p>
+              <a:p>
+                <a:endParaRPr lang="en-US" altLang="ko-KR" dirty="0"/>
+              </a:p>
+              <a:p>
+                <a:endParaRPr lang="en-US" altLang="ko-KR" dirty="0"/>
+              </a:p>
+              <a:p>
+                <a:endParaRPr lang="en-US" altLang="ko-KR" dirty="0"/>
+              </a:p>
+              <a:p>
+                <a:endParaRPr lang="en-US" altLang="ko-KR" dirty="0"/>
+              </a:p>
+              <a:p>
+                <a:endParaRPr lang="en-US" altLang="ko-KR" dirty="0"/>
+              </a:p>
+              <a:p>
+                <a:endParaRPr lang="en-US" altLang="ko-KR" dirty="0"/>
+              </a:p>
+              <a:p>
+                <a:endParaRPr lang="ko-KR" altLang="en-US" dirty="0"/>
+              </a:p>
+            </p:txBody>
+          </p:sp>
+        </mc:Choice>
+        <mc:Fallback xmlns="">
+          <p:sp>
+            <p:nvSpPr>
+              <p:cNvPr id="3" name="내용 개체 틀 2">
+                <a:extLst>
+                  <a:ext uri="{FF2B5EF4-FFF2-40B4-BE49-F238E27FC236}">
+                    <a16:creationId xmlns:a16="http://schemas.microsoft.com/office/drawing/2014/main" id="{76A90E4D-BDA4-8A88-0506-83C4960B4A5C}"/>
+                  </a:ext>
+                </a:extLst>
+              </p:cNvPr>
+              <p:cNvSpPr>
+                <a:spLocks noGrp="1" noRot="1" noChangeAspect="1" noMove="1" noResize="1" noEditPoints="1" noAdjustHandles="1" noChangeArrowheads="1" noChangeShapeType="1" noTextEdit="1"/>
+              </p:cNvSpPr>
+              <p:nvPr>
+                <p:ph idx="1"/>
+              </p:nvPr>
+            </p:nvSpPr>
+            <p:spPr>
+              <a:blipFill>
+                <a:blip r:embed="rId2"/>
+                <a:stretch>
+                  <a:fillRect l="-522" t="-1348"/>
+                </a:stretch>
+              </a:blipFill>
+            </p:spPr>
+            <p:txBody>
+              <a:bodyPr/>
+              <a:lstStyle/>
+              <a:p>
+                <a:r>
+                  <a:rPr lang="ko-KR" altLang="en-US">
+                    <a:noFill/>
+                  </a:rPr>
+                  <a:t> </a:t>
+                </a:r>
+              </a:p>
+            </p:txBody>
+          </p:sp>
+        </mc:Fallback>
+      </mc:AlternateContent>
+      <p:sp>
+        <p:nvSpPr>
+          <p:cNvPr id="4" name="슬라이드 번호 개체 틀 3">
+            <a:extLst>
+              <a:ext uri="{FF2B5EF4-FFF2-40B4-BE49-F238E27FC236}">
+                <a16:creationId xmlns:a16="http://schemas.microsoft.com/office/drawing/2014/main" id="{2FBCAEA9-2BA2-3391-1D1F-431D58BBB485}"/>
+              </a:ext>
+            </a:extLst>
+          </p:cNvPr>
+          <p:cNvSpPr>
+            <a:spLocks noGrp="1"/>
+          </p:cNvSpPr>
+          <p:nvPr>
+            <p:ph type="sldNum" sz="quarter" idx="12"/>
+          </p:nvPr>
+        </p:nvSpPr>
+        <p:spPr/>
+        <p:txBody>
+          <a:bodyPr/>
+          <a:lstStyle/>
+          <a:p>
+            <a:fld id="{A439D109-9F59-4B0B-8E20-D6D3A384B1F1}" type="slidenum">
+              <a:rPr lang="ko-KR" altLang="en-US" smtClean="0"/>
               <a:t>34</a:t>
             </a:fld>
             <a:endParaRPr lang="ko-KR" altLang="en-US"/>
@@ -35446,7 +34260,7 @@
     </p:spTree>
     <p:extLst>
       <p:ext uri="{BB962C8B-B14F-4D97-AF65-F5344CB8AC3E}">
-        <p14:creationId xmlns:p14="http://schemas.microsoft.com/office/powerpoint/2010/main" val="4154609333"/>
+        <p14:creationId xmlns:p14="http://schemas.microsoft.com/office/powerpoint/2010/main" val="2493982950"/>
       </p:ext>
     </p:extLst>
   </p:cSld>
@@ -35527,7 +34341,7 @@
               <a:p>
                 <a:r>
                   <a:rPr lang="en-US" altLang="ko-KR" b="1" dirty="0"/>
-                  <a:t>DEP vs. Source transmit power, </a:t>
+                  <a:t>DEP vs. Destination transmit power budget, </a:t>
                 </a:r>
                 <a14:m>
                   <m:oMath xmlns:m="http://schemas.openxmlformats.org/officeDocument/2006/math">
@@ -35540,19 +34354,31 @@
                         </m:ctrlPr>
                       </m:sSubPr>
                       <m:e>
-                        <m:r>
-                          <a:rPr lang="en-US" altLang="ko-KR" b="1" i="1" smtClean="0">
-                            <a:latin typeface="Cambria Math" panose="02040503050406030204" pitchFamily="18" charset="0"/>
-                          </a:rPr>
-                          <m:t>𝑷</m:t>
-                        </m:r>
+                        <m:acc>
+                          <m:accPr>
+                            <m:chr m:val="̅"/>
+                            <m:ctrlPr>
+                              <a:rPr lang="en-US" altLang="ko-KR" b="1" i="1" smtClean="0">
+                                <a:latin typeface="Cambria Math" panose="02040503050406030204" pitchFamily="18" charset="0"/>
+                              </a:rPr>
+                            </m:ctrlPr>
+                          </m:accPr>
+                          <m:e>
+                            <m:r>
+                              <a:rPr lang="en-US" altLang="ko-KR" b="1" i="1" smtClean="0">
+                                <a:latin typeface="Cambria Math" panose="02040503050406030204" pitchFamily="18" charset="0"/>
+                              </a:rPr>
+                              <m:t>𝑷</m:t>
+                            </m:r>
+                          </m:e>
+                        </m:acc>
                       </m:e>
                       <m:sub>
                         <m:r>
                           <a:rPr lang="en-US" altLang="ko-KR" b="1" i="1" smtClean="0">
                             <a:latin typeface="Cambria Math" panose="02040503050406030204" pitchFamily="18" charset="0"/>
                           </a:rPr>
-                          <m:t>𝑺</m:t>
+                          <m:t>𝑫</m:t>
                         </m:r>
                       </m:sub>
                     </m:sSub>
@@ -35656,7 +34482,7 @@
     </p:spTree>
     <p:extLst>
       <p:ext uri="{BB962C8B-B14F-4D97-AF65-F5344CB8AC3E}">
-        <p14:creationId xmlns:p14="http://schemas.microsoft.com/office/powerpoint/2010/main" val="2493982950"/>
+        <p14:creationId xmlns:p14="http://schemas.microsoft.com/office/powerpoint/2010/main" val="3984863158"/>
       </p:ext>
     </p:extLst>
   </p:cSld>
@@ -35737,14 +34563,14 @@
               <a:p>
                 <a:r>
                   <a:rPr lang="en-US" altLang="ko-KR" b="1" dirty="0"/>
-                  <a:t>DEP vs. Destination transmit power budget, </a:t>
+                  <a:t>DEP vs. Minimum public rate threshold, </a:t>
                 </a:r>
                 <a14:m>
                   <m:oMath xmlns:m="http://schemas.openxmlformats.org/officeDocument/2006/math">
                     <m:sSub>
                       <m:sSubPr>
                         <m:ctrlPr>
-                          <a:rPr lang="en-US" altLang="ko-KR" b="1" i="1" smtClean="0">
+                          <a:rPr lang="en-US" altLang="ko-KR" b="1" i="1">
                             <a:latin typeface="Cambria Math" panose="02040503050406030204" pitchFamily="18" charset="0"/>
                           </a:rPr>
                         </m:ctrlPr>
@@ -35754,27 +34580,27 @@
                           <m:accPr>
                             <m:chr m:val="̅"/>
                             <m:ctrlPr>
-                              <a:rPr lang="en-US" altLang="ko-KR" b="1" i="1" smtClean="0">
+                              <a:rPr lang="en-US" altLang="ko-KR" b="1" i="1">
                                 <a:latin typeface="Cambria Math" panose="02040503050406030204" pitchFamily="18" charset="0"/>
                               </a:rPr>
                             </m:ctrlPr>
                           </m:accPr>
                           <m:e>
                             <m:r>
-                              <a:rPr lang="en-US" altLang="ko-KR" b="1" i="1" smtClean="0">
+                              <a:rPr lang="en-US" altLang="ko-KR" b="1" i="1">
                                 <a:latin typeface="Cambria Math" panose="02040503050406030204" pitchFamily="18" charset="0"/>
                               </a:rPr>
-                              <m:t>𝑷</m:t>
+                              <m:t>𝒓</m:t>
                             </m:r>
                           </m:e>
                         </m:acc>
                       </m:e>
                       <m:sub>
                         <m:r>
-                          <a:rPr lang="en-US" altLang="ko-KR" b="1" i="1" smtClean="0">
-                            <a:latin typeface="Cambria Math" panose="02040503050406030204" pitchFamily="18" charset="0"/>
-                          </a:rPr>
-                          <m:t>𝑫</m:t>
+                          <a:rPr lang="en-US" altLang="ko-KR" b="1" i="1">
+                            <a:latin typeface="Cambria Math" panose="02040503050406030204" pitchFamily="18" charset="0"/>
+                          </a:rPr>
+                          <m:t>𝑷</m:t>
                         </m:r>
                       </m:sub>
                     </m:sSub>
@@ -35878,7 +34704,7 @@
     </p:spTree>
     <p:extLst>
       <p:ext uri="{BB962C8B-B14F-4D97-AF65-F5344CB8AC3E}">
-        <p14:creationId xmlns:p14="http://schemas.microsoft.com/office/powerpoint/2010/main" val="3984863158"/>
+        <p14:creationId xmlns:p14="http://schemas.microsoft.com/office/powerpoint/2010/main" val="2915081567"/>
       </p:ext>
     </p:extLst>
   </p:cSld>
@@ -35889,228 +34715,6 @@
 </file>
 
 <file path=ppt/slides/slide37.xml><?xml version="1.0" encoding="utf-8"?>
-<p:sld xmlns:a="http://schemas.openxmlformats.org/drawingml/2006/main" xmlns:r="http://schemas.openxmlformats.org/officeDocument/2006/relationships" xmlns:p="http://schemas.openxmlformats.org/presentationml/2006/main">
-  <p:cSld>
-    <p:spTree>
-      <p:nvGrpSpPr>
-        <p:cNvPr id="1" name=""/>
-        <p:cNvGrpSpPr/>
-        <p:nvPr/>
-      </p:nvGrpSpPr>
-      <p:grpSpPr>
-        <a:xfrm>
-          <a:off x="0" y="0"/>
-          <a:ext cx="0" cy="0"/>
-          <a:chOff x="0" y="0"/>
-          <a:chExt cx="0" cy="0"/>
-        </a:xfrm>
-      </p:grpSpPr>
-      <p:sp>
-        <p:nvSpPr>
-          <p:cNvPr id="2" name="제목 1">
-            <a:extLst>
-              <a:ext uri="{FF2B5EF4-FFF2-40B4-BE49-F238E27FC236}">
-                <a16:creationId xmlns:a16="http://schemas.microsoft.com/office/drawing/2014/main" id="{C8B94C0B-6595-35CC-60A6-1C49FC9B3AF4}"/>
-              </a:ext>
-            </a:extLst>
-          </p:cNvPr>
-          <p:cNvSpPr>
-            <a:spLocks noGrp="1"/>
-          </p:cNvSpPr>
-          <p:nvPr>
-            <p:ph type="title"/>
-          </p:nvPr>
-        </p:nvSpPr>
-        <p:spPr/>
-        <p:txBody>
-          <a:bodyPr/>
-          <a:lstStyle/>
-          <a:p>
-            <a:r>
-              <a:rPr lang="en-US" altLang="ko-KR" dirty="0"/>
-              <a:t>5. Numerical results</a:t>
-            </a:r>
-            <a:endParaRPr lang="ko-KR" altLang="en-US" dirty="0"/>
-          </a:p>
-        </p:txBody>
-      </p:sp>
-      <mc:AlternateContent xmlns:mc="http://schemas.openxmlformats.org/markup-compatibility/2006" xmlns:a14="http://schemas.microsoft.com/office/drawing/2010/main">
-        <mc:Choice Requires="a14">
-          <p:sp>
-            <p:nvSpPr>
-              <p:cNvPr id="3" name="내용 개체 틀 2">
-                <a:extLst>
-                  <a:ext uri="{FF2B5EF4-FFF2-40B4-BE49-F238E27FC236}">
-                    <a16:creationId xmlns:a16="http://schemas.microsoft.com/office/drawing/2014/main" id="{76A90E4D-BDA4-8A88-0506-83C4960B4A5C}"/>
-                  </a:ext>
-                </a:extLst>
-              </p:cNvPr>
-              <p:cNvSpPr>
-                <a:spLocks noGrp="1"/>
-              </p:cNvSpPr>
-              <p:nvPr>
-                <p:ph idx="1"/>
-              </p:nvPr>
-            </p:nvSpPr>
-            <p:spPr/>
-            <p:txBody>
-              <a:bodyPr/>
-              <a:lstStyle/>
-              <a:p>
-                <a:r>
-                  <a:rPr lang="en-US" altLang="ko-KR" b="1" dirty="0"/>
-                  <a:t>DEP vs. Minimum public rate threshold, </a:t>
-                </a:r>
-                <a14:m>
-                  <m:oMath xmlns:m="http://schemas.openxmlformats.org/officeDocument/2006/math">
-                    <m:sSub>
-                      <m:sSubPr>
-                        <m:ctrlPr>
-                          <a:rPr lang="en-US" altLang="ko-KR" b="1" i="1">
-                            <a:latin typeface="Cambria Math" panose="02040503050406030204" pitchFamily="18" charset="0"/>
-                          </a:rPr>
-                        </m:ctrlPr>
-                      </m:sSubPr>
-                      <m:e>
-                        <m:acc>
-                          <m:accPr>
-                            <m:chr m:val="̅"/>
-                            <m:ctrlPr>
-                              <a:rPr lang="en-US" altLang="ko-KR" b="1" i="1">
-                                <a:latin typeface="Cambria Math" panose="02040503050406030204" pitchFamily="18" charset="0"/>
-                              </a:rPr>
-                            </m:ctrlPr>
-                          </m:accPr>
-                          <m:e>
-                            <m:r>
-                              <a:rPr lang="en-US" altLang="ko-KR" b="1" i="1">
-                                <a:latin typeface="Cambria Math" panose="02040503050406030204" pitchFamily="18" charset="0"/>
-                              </a:rPr>
-                              <m:t>𝒓</m:t>
-                            </m:r>
-                          </m:e>
-                        </m:acc>
-                      </m:e>
-                      <m:sub>
-                        <m:r>
-                          <a:rPr lang="en-US" altLang="ko-KR" b="1" i="1">
-                            <a:latin typeface="Cambria Math" panose="02040503050406030204" pitchFamily="18" charset="0"/>
-                          </a:rPr>
-                          <m:t>𝑷</m:t>
-                        </m:r>
-                      </m:sub>
-                    </m:sSub>
-                  </m:oMath>
-                </a14:m>
-                <a:endParaRPr lang="en-US" altLang="ko-KR" b="1" dirty="0"/>
-              </a:p>
-              <a:p>
-                <a:endParaRPr lang="en-US" altLang="ko-KR" dirty="0"/>
-              </a:p>
-              <a:p>
-                <a:endParaRPr lang="en-US" altLang="ko-KR" dirty="0"/>
-              </a:p>
-              <a:p>
-                <a:endParaRPr lang="en-US" altLang="ko-KR" dirty="0"/>
-              </a:p>
-              <a:p>
-                <a:endParaRPr lang="en-US" altLang="ko-KR" dirty="0"/>
-              </a:p>
-              <a:p>
-                <a:endParaRPr lang="en-US" altLang="ko-KR" dirty="0"/>
-              </a:p>
-              <a:p>
-                <a:endParaRPr lang="en-US" altLang="ko-KR" dirty="0"/>
-              </a:p>
-              <a:p>
-                <a:endParaRPr lang="ko-KR" altLang="en-US" dirty="0"/>
-              </a:p>
-            </p:txBody>
-          </p:sp>
-        </mc:Choice>
-        <mc:Fallback xmlns="">
-          <p:sp>
-            <p:nvSpPr>
-              <p:cNvPr id="3" name="내용 개체 틀 2">
-                <a:extLst>
-                  <a:ext uri="{FF2B5EF4-FFF2-40B4-BE49-F238E27FC236}">
-                    <a16:creationId xmlns:a16="http://schemas.microsoft.com/office/drawing/2014/main" id="{76A90E4D-BDA4-8A88-0506-83C4960B4A5C}"/>
-                  </a:ext>
-                </a:extLst>
-              </p:cNvPr>
-              <p:cNvSpPr>
-                <a:spLocks noGrp="1" noRot="1" noChangeAspect="1" noMove="1" noResize="1" noEditPoints="1" noAdjustHandles="1" noChangeArrowheads="1" noChangeShapeType="1" noTextEdit="1"/>
-              </p:cNvSpPr>
-              <p:nvPr>
-                <p:ph idx="1"/>
-              </p:nvPr>
-            </p:nvSpPr>
-            <p:spPr>
-              <a:blipFill>
-                <a:blip r:embed="rId2"/>
-                <a:stretch>
-                  <a:fillRect l="-522" t="-1348"/>
-                </a:stretch>
-              </a:blipFill>
-            </p:spPr>
-            <p:txBody>
-              <a:bodyPr/>
-              <a:lstStyle/>
-              <a:p>
-                <a:r>
-                  <a:rPr lang="ko-KR" altLang="en-US">
-                    <a:noFill/>
-                  </a:rPr>
-                  <a:t> </a:t>
-                </a:r>
-              </a:p>
-            </p:txBody>
-          </p:sp>
-        </mc:Fallback>
-      </mc:AlternateContent>
-      <p:sp>
-        <p:nvSpPr>
-          <p:cNvPr id="4" name="슬라이드 번호 개체 틀 3">
-            <a:extLst>
-              <a:ext uri="{FF2B5EF4-FFF2-40B4-BE49-F238E27FC236}">
-                <a16:creationId xmlns:a16="http://schemas.microsoft.com/office/drawing/2014/main" id="{2FBCAEA9-2BA2-3391-1D1F-431D58BBB485}"/>
-              </a:ext>
-            </a:extLst>
-          </p:cNvPr>
-          <p:cNvSpPr>
-            <a:spLocks noGrp="1"/>
-          </p:cNvSpPr>
-          <p:nvPr>
-            <p:ph type="sldNum" sz="quarter" idx="12"/>
-          </p:nvPr>
-        </p:nvSpPr>
-        <p:spPr/>
-        <p:txBody>
-          <a:bodyPr/>
-          <a:lstStyle/>
-          <a:p>
-            <a:fld id="{A439D109-9F59-4B0B-8E20-D6D3A384B1F1}" type="slidenum">
-              <a:rPr lang="ko-KR" altLang="en-US" smtClean="0"/>
-              <a:t>37</a:t>
-            </a:fld>
-            <a:endParaRPr lang="ko-KR" altLang="en-US"/>
-          </a:p>
-        </p:txBody>
-      </p:sp>
-    </p:spTree>
-    <p:extLst>
-      <p:ext uri="{BB962C8B-B14F-4D97-AF65-F5344CB8AC3E}">
-        <p14:creationId xmlns:p14="http://schemas.microsoft.com/office/powerpoint/2010/main" val="2915081567"/>
-      </p:ext>
-    </p:extLst>
-  </p:cSld>
-  <p:clrMapOvr>
-    <a:masterClrMapping/>
-  </p:clrMapOvr>
-</p:sld>
-</file>
-
-<file path=ppt/slides/slide38.xml><?xml version="1.0" encoding="utf-8"?>
 <p:sld xmlns:a="http://schemas.openxmlformats.org/drawingml/2006/main" xmlns:r="http://schemas.openxmlformats.org/officeDocument/2006/relationships" xmlns:p="http://schemas.openxmlformats.org/presentationml/2006/main">
   <p:cSld>
     <p:spTree>
@@ -36309,7 +34913,7 @@
           <a:p>
             <a:fld id="{A439D109-9F59-4B0B-8E20-D6D3A384B1F1}" type="slidenum">
               <a:rPr lang="ko-KR" altLang="en-US" smtClean="0"/>
-              <a:t>38</a:t>
+              <a:t>37</a:t>
             </a:fld>
             <a:endParaRPr lang="ko-KR" altLang="en-US"/>
           </a:p>
@@ -36328,7 +34932,7 @@
 </p:sld>
 </file>
 
-<file path=ppt/slides/slide39.xml><?xml version="1.0" encoding="utf-8"?>
+<file path=ppt/slides/slide38.xml><?xml version="1.0" encoding="utf-8"?>
 <p:sld xmlns:a="http://schemas.openxmlformats.org/drawingml/2006/main" xmlns:r="http://schemas.openxmlformats.org/officeDocument/2006/relationships" xmlns:p="http://schemas.openxmlformats.org/presentationml/2006/main">
   <p:cSld>
     <p:spTree>
@@ -36531,7 +35135,7 @@
           <a:p>
             <a:fld id="{A439D109-9F59-4B0B-8E20-D6D3A384B1F1}" type="slidenum">
               <a:rPr lang="ko-KR" altLang="en-US" smtClean="0"/>
-              <a:t>39</a:t>
+              <a:t>38</a:t>
             </a:fld>
             <a:endParaRPr lang="ko-KR" altLang="en-US"/>
           </a:p>
@@ -36550,120 +35154,7 @@
 </p:sld>
 </file>
 
-<file path=ppt/slides/slide4.xml><?xml version="1.0" encoding="utf-8"?>
-<p:sld xmlns:a="http://schemas.openxmlformats.org/drawingml/2006/main" xmlns:r="http://schemas.openxmlformats.org/officeDocument/2006/relationships" xmlns:p="http://schemas.openxmlformats.org/presentationml/2006/main">
-  <p:cSld>
-    <p:spTree>
-      <p:nvGrpSpPr>
-        <p:cNvPr id="1" name=""/>
-        <p:cNvGrpSpPr/>
-        <p:nvPr/>
-      </p:nvGrpSpPr>
-      <p:grpSpPr>
-        <a:xfrm>
-          <a:off x="0" y="0"/>
-          <a:ext cx="0" cy="0"/>
-          <a:chOff x="0" y="0"/>
-          <a:chExt cx="0" cy="0"/>
-        </a:xfrm>
-      </p:grpSpPr>
-      <p:sp>
-        <p:nvSpPr>
-          <p:cNvPr id="2" name="Title 1">
-            <a:extLst>
-              <a:ext uri="{FF2B5EF4-FFF2-40B4-BE49-F238E27FC236}">
-                <a16:creationId xmlns:a16="http://schemas.microsoft.com/office/drawing/2014/main" id="{1F831E28-F295-BDC4-824C-E1F6819CC1C7}"/>
-              </a:ext>
-            </a:extLst>
-          </p:cNvPr>
-          <p:cNvSpPr>
-            <a:spLocks noGrp="1"/>
-          </p:cNvSpPr>
-          <p:nvPr>
-            <p:ph type="title"/>
-          </p:nvPr>
-        </p:nvSpPr>
-        <p:spPr/>
-        <p:txBody>
-          <a:bodyPr/>
-          <a:lstStyle/>
-          <a:p>
-            <a:r>
-              <a:rPr lang="en-US" dirty="0"/>
-              <a:t>2. System model</a:t>
-            </a:r>
-            <a:endParaRPr lang="en-KR" dirty="0"/>
-          </a:p>
-        </p:txBody>
-      </p:sp>
-      <p:sp>
-        <p:nvSpPr>
-          <p:cNvPr id="3" name="Text Placeholder 2">
-            <a:extLst>
-              <a:ext uri="{FF2B5EF4-FFF2-40B4-BE49-F238E27FC236}">
-                <a16:creationId xmlns:a16="http://schemas.microsoft.com/office/drawing/2014/main" id="{3528A558-46DC-6C67-9CC7-EBD52B4112B1}"/>
-              </a:ext>
-            </a:extLst>
-          </p:cNvPr>
-          <p:cNvSpPr>
-            <a:spLocks noGrp="1"/>
-          </p:cNvSpPr>
-          <p:nvPr>
-            <p:ph type="body" idx="1"/>
-          </p:nvPr>
-        </p:nvSpPr>
-        <p:spPr/>
-        <p:txBody>
-          <a:bodyPr/>
-          <a:lstStyle/>
-          <a:p>
-            <a:endParaRPr lang="en-KR"/>
-          </a:p>
-        </p:txBody>
-      </p:sp>
-      <p:sp>
-        <p:nvSpPr>
-          <p:cNvPr id="4" name="Slide Number Placeholder 3">
-            <a:extLst>
-              <a:ext uri="{FF2B5EF4-FFF2-40B4-BE49-F238E27FC236}">
-                <a16:creationId xmlns:a16="http://schemas.microsoft.com/office/drawing/2014/main" id="{8FB40660-F86C-6B46-396B-AE136F90D2A7}"/>
-              </a:ext>
-            </a:extLst>
-          </p:cNvPr>
-          <p:cNvSpPr>
-            <a:spLocks noGrp="1"/>
-          </p:cNvSpPr>
-          <p:nvPr>
-            <p:ph type="sldNum" sz="quarter" idx="12"/>
-          </p:nvPr>
-        </p:nvSpPr>
-        <p:spPr/>
-        <p:txBody>
-          <a:bodyPr/>
-          <a:lstStyle/>
-          <a:p>
-            <a:fld id="{A439D109-9F59-4B0B-8E20-D6D3A384B1F1}" type="slidenum">
-              <a:rPr lang="ko-KR" altLang="en-US" smtClean="0"/>
-              <a:t>4</a:t>
-            </a:fld>
-            <a:endParaRPr lang="ko-KR" altLang="en-US"/>
-          </a:p>
-        </p:txBody>
-      </p:sp>
-    </p:spTree>
-    <p:extLst>
-      <p:ext uri="{BB962C8B-B14F-4D97-AF65-F5344CB8AC3E}">
-        <p14:creationId xmlns:p14="http://schemas.microsoft.com/office/powerpoint/2010/main" val="1859173751"/>
-      </p:ext>
-    </p:extLst>
-  </p:cSld>
-  <p:clrMapOvr>
-    <a:masterClrMapping/>
-  </p:clrMapOvr>
-</p:sld>
-</file>
-
-<file path=ppt/slides/slide40.xml><?xml version="1.0" encoding="utf-8"?>
+<file path=ppt/slides/slide39.xml><?xml version="1.0" encoding="utf-8"?>
 <p:sld xmlns:a="http://schemas.openxmlformats.org/drawingml/2006/main" xmlns:r="http://schemas.openxmlformats.org/officeDocument/2006/relationships" xmlns:p="http://schemas.openxmlformats.org/presentationml/2006/main">
   <p:cSld>
     <p:spTree>
@@ -36835,7 +35326,7 @@
           <a:p>
             <a:fld id="{A439D109-9F59-4B0B-8E20-D6D3A384B1F1}" type="slidenum">
               <a:rPr lang="ko-KR" altLang="en-US" smtClean="0"/>
-              <a:t>40</a:t>
+              <a:t>39</a:t>
             </a:fld>
             <a:endParaRPr lang="ko-KR" altLang="en-US"/>
           </a:p>
@@ -36854,7 +35345,120 @@
 </p:sld>
 </file>
 
-<file path=ppt/slides/slide41.xml><?xml version="1.0" encoding="utf-8"?>
+<file path=ppt/slides/slide4.xml><?xml version="1.0" encoding="utf-8"?>
+<p:sld xmlns:a="http://schemas.openxmlformats.org/drawingml/2006/main" xmlns:r="http://schemas.openxmlformats.org/officeDocument/2006/relationships" xmlns:p="http://schemas.openxmlformats.org/presentationml/2006/main">
+  <p:cSld>
+    <p:spTree>
+      <p:nvGrpSpPr>
+        <p:cNvPr id="1" name=""/>
+        <p:cNvGrpSpPr/>
+        <p:nvPr/>
+      </p:nvGrpSpPr>
+      <p:grpSpPr>
+        <a:xfrm>
+          <a:off x="0" y="0"/>
+          <a:ext cx="0" cy="0"/>
+          <a:chOff x="0" y="0"/>
+          <a:chExt cx="0" cy="0"/>
+        </a:xfrm>
+      </p:grpSpPr>
+      <p:sp>
+        <p:nvSpPr>
+          <p:cNvPr id="2" name="Title 1">
+            <a:extLst>
+              <a:ext uri="{FF2B5EF4-FFF2-40B4-BE49-F238E27FC236}">
+                <a16:creationId xmlns:a16="http://schemas.microsoft.com/office/drawing/2014/main" id="{1F831E28-F295-BDC4-824C-E1F6819CC1C7}"/>
+              </a:ext>
+            </a:extLst>
+          </p:cNvPr>
+          <p:cNvSpPr>
+            <a:spLocks noGrp="1"/>
+          </p:cNvSpPr>
+          <p:nvPr>
+            <p:ph type="title"/>
+          </p:nvPr>
+        </p:nvSpPr>
+        <p:spPr/>
+        <p:txBody>
+          <a:bodyPr/>
+          <a:lstStyle/>
+          <a:p>
+            <a:r>
+              <a:rPr lang="en-US" dirty="0"/>
+              <a:t>2. System model</a:t>
+            </a:r>
+            <a:endParaRPr lang="en-KR" dirty="0"/>
+          </a:p>
+        </p:txBody>
+      </p:sp>
+      <p:sp>
+        <p:nvSpPr>
+          <p:cNvPr id="3" name="Text Placeholder 2">
+            <a:extLst>
+              <a:ext uri="{FF2B5EF4-FFF2-40B4-BE49-F238E27FC236}">
+                <a16:creationId xmlns:a16="http://schemas.microsoft.com/office/drawing/2014/main" id="{3528A558-46DC-6C67-9CC7-EBD52B4112B1}"/>
+              </a:ext>
+            </a:extLst>
+          </p:cNvPr>
+          <p:cNvSpPr>
+            <a:spLocks noGrp="1"/>
+          </p:cNvSpPr>
+          <p:nvPr>
+            <p:ph type="body" idx="1"/>
+          </p:nvPr>
+        </p:nvSpPr>
+        <p:spPr/>
+        <p:txBody>
+          <a:bodyPr/>
+          <a:lstStyle/>
+          <a:p>
+            <a:endParaRPr lang="en-KR"/>
+          </a:p>
+        </p:txBody>
+      </p:sp>
+      <p:sp>
+        <p:nvSpPr>
+          <p:cNvPr id="4" name="Slide Number Placeholder 3">
+            <a:extLst>
+              <a:ext uri="{FF2B5EF4-FFF2-40B4-BE49-F238E27FC236}">
+                <a16:creationId xmlns:a16="http://schemas.microsoft.com/office/drawing/2014/main" id="{8FB40660-F86C-6B46-396B-AE136F90D2A7}"/>
+              </a:ext>
+            </a:extLst>
+          </p:cNvPr>
+          <p:cNvSpPr>
+            <a:spLocks noGrp="1"/>
+          </p:cNvSpPr>
+          <p:nvPr>
+            <p:ph type="sldNum" sz="quarter" idx="12"/>
+          </p:nvPr>
+        </p:nvSpPr>
+        <p:spPr/>
+        <p:txBody>
+          <a:bodyPr/>
+          <a:lstStyle/>
+          <a:p>
+            <a:fld id="{A439D109-9F59-4B0B-8E20-D6D3A384B1F1}" type="slidenum">
+              <a:rPr lang="ko-KR" altLang="en-US" smtClean="0"/>
+              <a:t>4</a:t>
+            </a:fld>
+            <a:endParaRPr lang="ko-KR" altLang="en-US"/>
+          </a:p>
+        </p:txBody>
+      </p:sp>
+    </p:spTree>
+    <p:extLst>
+      <p:ext uri="{BB962C8B-B14F-4D97-AF65-F5344CB8AC3E}">
+        <p14:creationId xmlns:p14="http://schemas.microsoft.com/office/powerpoint/2010/main" val="1859173751"/>
+      </p:ext>
+    </p:extLst>
+  </p:cSld>
+  <p:clrMapOvr>
+    <a:masterClrMapping/>
+  </p:clrMapOvr>
+</p:sld>
+</file>
+
+<file path=ppt/slides/slide40.xml><?xml version="1.0" encoding="utf-8"?>
 <p:sld xmlns:a="http://schemas.openxmlformats.org/drawingml/2006/main" xmlns:r="http://schemas.openxmlformats.org/officeDocument/2006/relationships" xmlns:p="http://schemas.openxmlformats.org/presentationml/2006/main">
   <p:cSld>
     <p:spTree>
@@ -36990,7 +35594,7 @@
           <a:p>
             <a:fld id="{A439D109-9F59-4B0B-8E20-D6D3A384B1F1}" type="slidenum">
               <a:rPr lang="ko-KR" altLang="en-US" smtClean="0"/>
-              <a:t>41</a:t>
+              <a:t>40</a:t>
             </a:fld>
             <a:endParaRPr lang="ko-KR" altLang="en-US"/>
           </a:p>
@@ -37009,7 +35613,7 @@
 </p:sld>
 </file>
 
-<file path=ppt/slides/slide42.xml><?xml version="1.0" encoding="utf-8"?>
+<file path=ppt/slides/slide41.xml><?xml version="1.0" encoding="utf-8"?>
 <p:sld xmlns:a="http://schemas.openxmlformats.org/drawingml/2006/main" xmlns:r="http://schemas.openxmlformats.org/officeDocument/2006/relationships" xmlns:p="http://schemas.openxmlformats.org/presentationml/2006/main">
   <p:cSld>
     <p:spTree>
@@ -37172,7 +35776,7 @@
           <a:p>
             <a:fld id="{A439D109-9F59-4B0B-8E20-D6D3A384B1F1}" type="slidenum">
               <a:rPr lang="ko-KR" altLang="en-US" smtClean="0"/>
-              <a:t>42</a:t>
+              <a:t>41</a:t>
             </a:fld>
             <a:endParaRPr lang="ko-KR" altLang="en-US"/>
           </a:p>
@@ -44981,15 +43585,6 @@
 </file>
 
 <file path=customXml/item1.xml><?xml version="1.0" encoding="utf-8"?>
-<?mso-contentType ?>
-<FormTemplates xmlns="http://schemas.microsoft.com/sharepoint/v3/contenttype/forms">
-  <Display>DocumentLibraryForm</Display>
-  <Edit>DocumentLibraryForm</Edit>
-  <New>DocumentLibraryForm</New>
-</FormTemplates>
-</file>
-
-<file path=customXml/item2.xml><?xml version="1.0" encoding="utf-8"?>
 <ct:contentTypeSchema xmlns:ct="http://schemas.microsoft.com/office/2006/metadata/contentType" xmlns:ma="http://schemas.microsoft.com/office/2006/metadata/properties/metaAttributes" ct:_="" ma:_="" ma:contentTypeName="Document" ma:contentTypeID="0x010100CDD1B8258B04314AB752C94D0B468742" ma:contentTypeVersion="11" ma:contentTypeDescription="Create a new document." ma:contentTypeScope="" ma:versionID="74d2a3f1e9ad9535c8f51eacab041852">
   <xsd:schema xmlns:xsd="http://www.w3.org/2001/XMLSchema" xmlns:xs="http://www.w3.org/2001/XMLSchema" xmlns:p="http://schemas.microsoft.com/office/2006/metadata/properties" xmlns:ns2="c207a02d-b84a-49f0-864c-a3c055060aaf" xmlns:ns3="39fed8c9-7096-4e61-8f88-d2ef9f851ffe" targetNamespace="http://schemas.microsoft.com/office/2006/metadata/properties" ma:root="true" ma:fieldsID="bf2f5d96ee70ae2c03e7b814aee7acfe" ns2:_="" ns3:_="">
     <xsd:import namespace="c207a02d-b84a-49f0-864c-a3c055060aaf"/>
@@ -45184,7 +43779,7 @@
 </ct:contentTypeSchema>
 </file>
 
-<file path=customXml/item3.xml><?xml version="1.0" encoding="utf-8"?>
+<file path=customXml/item2.xml><?xml version="1.0" encoding="utf-8"?>
 <p:properties xmlns:p="http://schemas.microsoft.com/office/2006/metadata/properties" xmlns:xsi="http://www.w3.org/2001/XMLSchema-instance" xmlns:pc="http://schemas.microsoft.com/office/infopath/2007/PartnerControls">
   <documentManagement>
     <TaxCatchAll xmlns="39fed8c9-7096-4e61-8f88-d2ef9f851ffe" xsi:nil="true"/>
@@ -45195,15 +43790,16 @@
 </p:properties>
 </file>
 
-<file path=customXml/itemProps1.xml><?xml version="1.0" encoding="utf-8"?>
-<ds:datastoreItem xmlns:ds="http://schemas.openxmlformats.org/officeDocument/2006/customXml" ds:itemID="{237EC9C7-C9EA-4A19-8EDB-1AE6A51237B8}">
-  <ds:schemaRefs>
-    <ds:schemaRef ds:uri="http://schemas.microsoft.com/sharepoint/v3/contenttype/forms"/>
-  </ds:schemaRefs>
-</ds:datastoreItem>
+<file path=customXml/item3.xml><?xml version="1.0" encoding="utf-8"?>
+<?mso-contentType ?>
+<FormTemplates xmlns="http://schemas.microsoft.com/sharepoint/v3/contenttype/forms">
+  <Display>DocumentLibraryForm</Display>
+  <Edit>DocumentLibraryForm</Edit>
+  <New>DocumentLibraryForm</New>
+</FormTemplates>
 </file>
 
-<file path=customXml/itemProps2.xml><?xml version="1.0" encoding="utf-8"?>
+<file path=customXml/itemProps1.xml><?xml version="1.0" encoding="utf-8"?>
 <ds:datastoreItem xmlns:ds="http://schemas.openxmlformats.org/officeDocument/2006/customXml" ds:itemID="{B76A0CF7-BEB4-4092-AD55-172BB0CDBCDC}">
   <ds:schemaRefs>
     <ds:schemaRef ds:uri="http://schemas.microsoft.com/office/2006/metadata/contentType"/>
@@ -45222,7 +43818,7 @@
 </ds:datastoreItem>
 </file>
 
-<file path=customXml/itemProps3.xml><?xml version="1.0" encoding="utf-8"?>
+<file path=customXml/itemProps2.xml><?xml version="1.0" encoding="utf-8"?>
 <ds:datastoreItem xmlns:ds="http://schemas.openxmlformats.org/officeDocument/2006/customXml" ds:itemID="{48972538-1B81-4B2E-8960-3621C58FCC3F}">
   <ds:schemaRefs>
     <ds:schemaRef ds:uri="http://schemas.microsoft.com/office/2006/metadata/properties"/>
@@ -45231,4 +43827,12 @@
     <ds:schemaRef ds:uri="c207a02d-b84a-49f0-864c-a3c055060aaf"/>
   </ds:schemaRefs>
 </ds:datastoreItem>
+</file>
+
+<file path=customXml/itemProps3.xml><?xml version="1.0" encoding="utf-8"?>
+<ds:datastoreItem xmlns:ds="http://schemas.openxmlformats.org/officeDocument/2006/customXml" ds:itemID="{237EC9C7-C9EA-4A19-8EDB-1AE6A51237B8}">
+  <ds:schemaRefs>
+    <ds:schemaRef ds:uri="http://schemas.microsoft.com/sharepoint/v3/contenttype/forms"/>
+  </ds:schemaRefs>
+</ds:datastoreItem>
 </file>